--- a/아키텍처_구조.pptx
+++ b/아키텍처_구조.pptx
@@ -6,6 +6,7 @@
   </p:sldMasterIdLst>
   <p:sldIdLst>
     <p:sldId id="256" r:id="rId2"/>
+    <p:sldId id="257" r:id="rId3"/>
   </p:sldIdLst>
   <p:sldSz cx="12192000" cy="6858000"/>
   <p:notesSz cx="6858000" cy="9144000"/>
@@ -259,7 +260,7 @@
           <a:p>
             <a:fld id="{E476361F-7658-44AE-AC3B-E094F262656A}" type="datetimeFigureOut">
               <a:rPr lang="ko-KR" altLang="en-US" smtClean="0"/>
-              <a:t>2024-01-24</a:t>
+              <a:t>2024-03-01</a:t>
             </a:fld>
             <a:endParaRPr lang="ko-KR" altLang="en-US"/>
           </a:p>
@@ -457,7 +458,7 @@
           <a:p>
             <a:fld id="{E476361F-7658-44AE-AC3B-E094F262656A}" type="datetimeFigureOut">
               <a:rPr lang="ko-KR" altLang="en-US" smtClean="0"/>
-              <a:t>2024-01-24</a:t>
+              <a:t>2024-03-01</a:t>
             </a:fld>
             <a:endParaRPr lang="ko-KR" altLang="en-US"/>
           </a:p>
@@ -665,7 +666,7 @@
           <a:p>
             <a:fld id="{E476361F-7658-44AE-AC3B-E094F262656A}" type="datetimeFigureOut">
               <a:rPr lang="ko-KR" altLang="en-US" smtClean="0"/>
-              <a:t>2024-01-24</a:t>
+              <a:t>2024-03-01</a:t>
             </a:fld>
             <a:endParaRPr lang="ko-KR" altLang="en-US"/>
           </a:p>
@@ -863,7 +864,7 @@
           <a:p>
             <a:fld id="{E476361F-7658-44AE-AC3B-E094F262656A}" type="datetimeFigureOut">
               <a:rPr lang="ko-KR" altLang="en-US" smtClean="0"/>
-              <a:t>2024-01-24</a:t>
+              <a:t>2024-03-01</a:t>
             </a:fld>
             <a:endParaRPr lang="ko-KR" altLang="en-US"/>
           </a:p>
@@ -1138,7 +1139,7 @@
           <a:p>
             <a:fld id="{E476361F-7658-44AE-AC3B-E094F262656A}" type="datetimeFigureOut">
               <a:rPr lang="ko-KR" altLang="en-US" smtClean="0"/>
-              <a:t>2024-01-24</a:t>
+              <a:t>2024-03-01</a:t>
             </a:fld>
             <a:endParaRPr lang="ko-KR" altLang="en-US"/>
           </a:p>
@@ -1403,7 +1404,7 @@
           <a:p>
             <a:fld id="{E476361F-7658-44AE-AC3B-E094F262656A}" type="datetimeFigureOut">
               <a:rPr lang="ko-KR" altLang="en-US" smtClean="0"/>
-              <a:t>2024-01-24</a:t>
+              <a:t>2024-03-01</a:t>
             </a:fld>
             <a:endParaRPr lang="ko-KR" altLang="en-US"/>
           </a:p>
@@ -1815,7 +1816,7 @@
           <a:p>
             <a:fld id="{E476361F-7658-44AE-AC3B-E094F262656A}" type="datetimeFigureOut">
               <a:rPr lang="ko-KR" altLang="en-US" smtClean="0"/>
-              <a:t>2024-01-24</a:t>
+              <a:t>2024-03-01</a:t>
             </a:fld>
             <a:endParaRPr lang="ko-KR" altLang="en-US"/>
           </a:p>
@@ -1956,7 +1957,7 @@
           <a:p>
             <a:fld id="{E476361F-7658-44AE-AC3B-E094F262656A}" type="datetimeFigureOut">
               <a:rPr lang="ko-KR" altLang="en-US" smtClean="0"/>
-              <a:t>2024-01-24</a:t>
+              <a:t>2024-03-01</a:t>
             </a:fld>
             <a:endParaRPr lang="ko-KR" altLang="en-US"/>
           </a:p>
@@ -2069,7 +2070,7 @@
           <a:p>
             <a:fld id="{E476361F-7658-44AE-AC3B-E094F262656A}" type="datetimeFigureOut">
               <a:rPr lang="ko-KR" altLang="en-US" smtClean="0"/>
-              <a:t>2024-01-24</a:t>
+              <a:t>2024-03-01</a:t>
             </a:fld>
             <a:endParaRPr lang="ko-KR" altLang="en-US"/>
           </a:p>
@@ -2380,7 +2381,7 @@
           <a:p>
             <a:fld id="{E476361F-7658-44AE-AC3B-E094F262656A}" type="datetimeFigureOut">
               <a:rPr lang="ko-KR" altLang="en-US" smtClean="0"/>
-              <a:t>2024-01-24</a:t>
+              <a:t>2024-03-01</a:t>
             </a:fld>
             <a:endParaRPr lang="ko-KR" altLang="en-US"/>
           </a:p>
@@ -2668,7 +2669,7 @@
           <a:p>
             <a:fld id="{E476361F-7658-44AE-AC3B-E094F262656A}" type="datetimeFigureOut">
               <a:rPr lang="ko-KR" altLang="en-US" smtClean="0"/>
-              <a:t>2024-01-24</a:t>
+              <a:t>2024-03-01</a:t>
             </a:fld>
             <a:endParaRPr lang="ko-KR" altLang="en-US"/>
           </a:p>
@@ -2909,7 +2910,7 @@
           <a:p>
             <a:fld id="{E476361F-7658-44AE-AC3B-E094F262656A}" type="datetimeFigureOut">
               <a:rPr lang="ko-KR" altLang="en-US" smtClean="0"/>
-              <a:t>2024-01-24</a:t>
+              <a:t>2024-03-01</a:t>
             </a:fld>
             <a:endParaRPr lang="ko-KR" altLang="en-US"/>
           </a:p>
@@ -4252,58 +4253,6 @@
           </a:p>
         </p:txBody>
       </p:sp>
-      <p:sp>
-        <p:nvSpPr>
-          <p:cNvPr id="20" name="사각형: 둥근 모서리 19">
-            <a:extLst>
-              <a:ext uri="{FF2B5EF4-FFF2-40B4-BE49-F238E27FC236}">
-                <a16:creationId xmlns:a16="http://schemas.microsoft.com/office/drawing/2014/main" id="{C3FC0446-0A07-C895-05D7-F2D3A18A9CE7}"/>
-              </a:ext>
-            </a:extLst>
-          </p:cNvPr>
-          <p:cNvSpPr/>
-          <p:nvPr/>
-        </p:nvSpPr>
-        <p:spPr>
-          <a:xfrm>
-            <a:off x="508745" y="2159181"/>
-            <a:ext cx="4830792" cy="2722872"/>
-          </a:xfrm>
-          <a:prstGeom prst="roundRect">
-            <a:avLst/>
-          </a:prstGeom>
-          <a:noFill/>
-          <a:ln w="19050">
-            <a:solidFill>
-              <a:schemeClr val="tx1"/>
-            </a:solidFill>
-          </a:ln>
-        </p:spPr>
-        <p:style>
-          <a:lnRef idx="2">
-            <a:schemeClr val="accent1">
-              <a:shade val="15000"/>
-            </a:schemeClr>
-          </a:lnRef>
-          <a:fillRef idx="1">
-            <a:schemeClr val="accent1"/>
-          </a:fillRef>
-          <a:effectRef idx="0">
-            <a:schemeClr val="accent1"/>
-          </a:effectRef>
-          <a:fontRef idx="minor">
-            <a:schemeClr val="lt1"/>
-          </a:fontRef>
-        </p:style>
-        <p:txBody>
-          <a:bodyPr rtlCol="0" anchor="ctr"/>
-          <a:lstStyle/>
-          <a:p>
-            <a:pPr algn="ctr"/>
-            <a:endParaRPr lang="ko-KR" altLang="en-US"/>
-          </a:p>
-        </p:txBody>
-      </p:sp>
       <p:cxnSp>
         <p:nvCxnSpPr>
           <p:cNvPr id="22" name="직선 화살표 연결선 21">
@@ -4392,100 +4341,12 @@
           </a:fontRef>
         </p:style>
       </p:cxnSp>
-      <p:sp>
-        <p:nvSpPr>
-          <p:cNvPr id="28" name="직사각형 27">
-            <a:extLst>
-              <a:ext uri="{FF2B5EF4-FFF2-40B4-BE49-F238E27FC236}">
-                <a16:creationId xmlns:a16="http://schemas.microsoft.com/office/drawing/2014/main" id="{C72F7356-F02D-DF19-D632-A19B07EB7139}"/>
-              </a:ext>
-            </a:extLst>
-          </p:cNvPr>
-          <p:cNvSpPr/>
-          <p:nvPr/>
-        </p:nvSpPr>
-        <p:spPr>
-          <a:xfrm>
-            <a:off x="2058543" y="1873428"/>
-            <a:ext cx="1722039" cy="508959"/>
-          </a:xfrm>
-          <a:prstGeom prst="rect">
-            <a:avLst/>
-          </a:prstGeom>
-          <a:solidFill>
-            <a:schemeClr val="bg1"/>
-          </a:solidFill>
-          <a:ln>
-            <a:noFill/>
-          </a:ln>
-        </p:spPr>
-        <p:style>
-          <a:lnRef idx="2">
-            <a:schemeClr val="accent1">
-              <a:shade val="15000"/>
-            </a:schemeClr>
-          </a:lnRef>
-          <a:fillRef idx="1">
-            <a:schemeClr val="accent1"/>
-          </a:fillRef>
-          <a:effectRef idx="0">
-            <a:schemeClr val="accent1"/>
-          </a:effectRef>
-          <a:fontRef idx="minor">
-            <a:schemeClr val="lt1"/>
-          </a:fontRef>
-        </p:style>
-        <p:txBody>
-          <a:bodyPr rtlCol="0" anchor="ctr"/>
-          <a:lstStyle/>
-          <a:p>
-            <a:pPr algn="ctr"/>
-            <a:endParaRPr lang="ko-KR" altLang="en-US"/>
-          </a:p>
-        </p:txBody>
-      </p:sp>
-      <p:sp>
-        <p:nvSpPr>
-          <p:cNvPr id="29" name="TextBox 28">
-            <a:extLst>
-              <a:ext uri="{FF2B5EF4-FFF2-40B4-BE49-F238E27FC236}">
-                <a16:creationId xmlns:a16="http://schemas.microsoft.com/office/drawing/2014/main" id="{BA3D23D8-A1FF-5CEC-F9C0-434F55F03764}"/>
-              </a:ext>
-            </a:extLst>
-          </p:cNvPr>
-          <p:cNvSpPr txBox="1"/>
-          <p:nvPr/>
-        </p:nvSpPr>
-        <p:spPr>
-          <a:xfrm>
-            <a:off x="2183425" y="1981699"/>
-            <a:ext cx="1481431" cy="369332"/>
-          </a:xfrm>
-          <a:prstGeom prst="rect">
-            <a:avLst/>
-          </a:prstGeom>
-          <a:noFill/>
-        </p:spPr>
-        <p:txBody>
-          <a:bodyPr wrap="none" rtlCol="0">
-            <a:spAutoFit/>
-          </a:bodyPr>
-          <a:lstStyle/>
-          <a:p>
-            <a:r>
-              <a:rPr lang="en-US" altLang="ko-KR" dirty="0"/>
-              <a:t>Presentation</a:t>
-            </a:r>
-            <a:endParaRPr lang="ko-KR" altLang="en-US" dirty="0"/>
-          </a:p>
-        </p:txBody>
-      </p:sp>
       <p:pic>
         <p:nvPicPr>
-          <p:cNvPr id="1046" name="Picture 22" descr="React 정복기] create-react-app 더 깊이... (실전 리액트 프로그래밍) - 2">
-            <a:extLst>
-              <a:ext uri="{FF2B5EF4-FFF2-40B4-BE49-F238E27FC236}">
-                <a16:creationId xmlns:a16="http://schemas.microsoft.com/office/drawing/2014/main" id="{F3044235-54EC-829C-EC2B-4470660D4722}"/>
+          <p:cNvPr id="1050" name="Picture 26" descr="Next.js 그거 어떻게 하는 건데. | by Woosik Kim | Sep, 2021 | Medium | Medium">
+            <a:extLst>
+              <a:ext uri="{FF2B5EF4-FFF2-40B4-BE49-F238E27FC236}">
+                <a16:creationId xmlns:a16="http://schemas.microsoft.com/office/drawing/2014/main" id="{8B992A4D-6D82-2313-C001-171C66FAF846}"/>
               </a:ext>
             </a:extLst>
           </p:cNvPr>
@@ -4509,8 +4370,8 @@
         </p:blipFill>
         <p:spPr bwMode="auto">
           <a:xfrm>
-            <a:off x="947644" y="3579030"/>
-            <a:ext cx="1741817" cy="989565"/>
+            <a:off x="687667" y="2507069"/>
+            <a:ext cx="1514887" cy="852998"/>
           </a:xfrm>
           <a:prstGeom prst="rect">
             <a:avLst/>
@@ -4529,10 +4390,10 @@
       </p:pic>
       <p:pic>
         <p:nvPicPr>
-          <p:cNvPr id="1050" name="Picture 26" descr="Next.js 그거 어떻게 하는 건데. | by Woosik Kim | Sep, 2021 | Medium | Medium">
-            <a:extLst>
-              <a:ext uri="{FF2B5EF4-FFF2-40B4-BE49-F238E27FC236}">
-                <a16:creationId xmlns:a16="http://schemas.microsoft.com/office/drawing/2014/main" id="{8B992A4D-6D82-2313-C001-171C66FAF846}"/>
+          <p:cNvPr id="1056" name="Picture 32" descr="Tailwind CSS] Usage_2">
+            <a:extLst>
+              <a:ext uri="{FF2B5EF4-FFF2-40B4-BE49-F238E27FC236}">
+                <a16:creationId xmlns:a16="http://schemas.microsoft.com/office/drawing/2014/main" id="{F583BDE5-05F8-D168-C66B-CB1BCAA98C2B}"/>
               </a:ext>
             </a:extLst>
           </p:cNvPr>
@@ -4556,8 +4417,8 @@
         </p:blipFill>
         <p:spPr bwMode="auto">
           <a:xfrm>
-            <a:off x="973347" y="2662311"/>
-            <a:ext cx="1801663" cy="1014475"/>
+            <a:off x="2026775" y="4285127"/>
+            <a:ext cx="1628931" cy="916274"/>
           </a:xfrm>
           <a:prstGeom prst="rect">
             <a:avLst/>
@@ -4576,10 +4437,10 @@
       </p:pic>
       <p:pic>
         <p:nvPicPr>
-          <p:cNvPr id="1056" name="Picture 32" descr="Tailwind CSS] Usage_2">
-            <a:extLst>
-              <a:ext uri="{FF2B5EF4-FFF2-40B4-BE49-F238E27FC236}">
-                <a16:creationId xmlns:a16="http://schemas.microsoft.com/office/drawing/2014/main" id="{F583BDE5-05F8-D168-C66B-CB1BCAA98C2B}"/>
+          <p:cNvPr id="1060" name="Picture 36" descr="사용자 - 무료 사회적인개 아이콘">
+            <a:extLst>
+              <a:ext uri="{FF2B5EF4-FFF2-40B4-BE49-F238E27FC236}">
+                <a16:creationId xmlns:a16="http://schemas.microsoft.com/office/drawing/2014/main" id="{5B3D6F4D-8180-7152-C74A-567EEB628A21}"/>
               </a:ext>
             </a:extLst>
           </p:cNvPr>
@@ -4590,53 +4451,6 @@
         </p:nvPicPr>
         <p:blipFill>
           <a:blip r:embed="rId14">
-            <a:extLst>
-              <a:ext uri="{28A0092B-C50C-407E-A947-70E740481C1C}">
-                <a14:useLocalDpi xmlns:a14="http://schemas.microsoft.com/office/drawing/2010/main" val="0"/>
-              </a:ext>
-            </a:extLst>
-          </a:blip>
-          <a:srcRect/>
-          <a:stretch>
-            <a:fillRect/>
-          </a:stretch>
-        </p:blipFill>
-        <p:spPr bwMode="auto">
-          <a:xfrm>
-            <a:off x="3026011" y="2508176"/>
-            <a:ext cx="1754710" cy="987025"/>
-          </a:xfrm>
-          <a:prstGeom prst="rect">
-            <a:avLst/>
-          </a:prstGeom>
-          <a:noFill/>
-          <a:extLst>
-            <a:ext uri="{909E8E84-426E-40DD-AFC4-6F175D3DCCD1}">
-              <a14:hiddenFill xmlns:a14="http://schemas.microsoft.com/office/drawing/2010/main">
-                <a:solidFill>
-                  <a:srgbClr val="FFFFFF"/>
-                </a:solidFill>
-              </a14:hiddenFill>
-            </a:ext>
-          </a:extLst>
-        </p:spPr>
-      </p:pic>
-      <p:pic>
-        <p:nvPicPr>
-          <p:cNvPr id="1060" name="Picture 36" descr="사용자 - 무료 사회적인개 아이콘">
-            <a:extLst>
-              <a:ext uri="{FF2B5EF4-FFF2-40B4-BE49-F238E27FC236}">
-                <a16:creationId xmlns:a16="http://schemas.microsoft.com/office/drawing/2014/main" id="{5B3D6F4D-8180-7152-C74A-567EEB628A21}"/>
-              </a:ext>
-            </a:extLst>
-          </p:cNvPr>
-          <p:cNvPicPr>
-            <a:picLocks noChangeAspect="1" noChangeArrowheads="1"/>
-          </p:cNvPicPr>
-          <p:nvPr/>
-        </p:nvPicPr>
-        <p:blipFill>
-          <a:blip r:embed="rId15">
             <a:extLst>
               <a:ext uri="{28A0092B-C50C-407E-A947-70E740481C1C}">
                 <a14:useLocalDpi xmlns:a14="http://schemas.microsoft.com/office/drawing/2010/main" val="0"/>
@@ -4851,7 +4665,7 @@
           <p:nvPr/>
         </p:nvPicPr>
         <p:blipFill>
-          <a:blip r:embed="rId16">
+          <a:blip r:embed="rId15">
             <a:extLst>
               <a:ext uri="{28A0092B-C50C-407E-A947-70E740481C1C}">
                 <a14:useLocalDpi xmlns:a14="http://schemas.microsoft.com/office/drawing/2010/main" val="0"/>
@@ -4898,7 +4712,7 @@
           <p:nvPr/>
         </p:nvPicPr>
         <p:blipFill>
-          <a:blip r:embed="rId17">
+          <a:blip r:embed="rId16">
             <a:extLst>
               <a:ext uri="{28A0092B-C50C-407E-A947-70E740481C1C}">
                 <a14:useLocalDpi xmlns:a14="http://schemas.microsoft.com/office/drawing/2010/main" val="0"/>
@@ -4945,7 +4759,7 @@
           <p:nvPr/>
         </p:nvPicPr>
         <p:blipFill>
-          <a:blip r:embed="rId18">
+          <a:blip r:embed="rId17">
             <a:extLst>
               <a:ext uri="{28A0092B-C50C-407E-A947-70E740481C1C}">
                 <a14:useLocalDpi xmlns:a14="http://schemas.microsoft.com/office/drawing/2010/main" val="0"/>
@@ -4992,7 +4806,7 @@
           <p:nvPr/>
         </p:nvPicPr>
         <p:blipFill>
-          <a:blip r:embed="rId19">
+          <a:blip r:embed="rId18">
             <a:extLst>
               <a:ext uri="{28A0092B-C50C-407E-A947-70E740481C1C}">
                 <a14:useLocalDpi xmlns:a14="http://schemas.microsoft.com/office/drawing/2010/main" val="0"/>
@@ -5039,7 +4853,7 @@
           <p:nvPr/>
         </p:nvPicPr>
         <p:blipFill>
-          <a:blip r:embed="rId20">
+          <a:blip r:embed="rId19">
             <a:extLst>
               <a:ext uri="{28A0092B-C50C-407E-A947-70E740481C1C}">
                 <a14:useLocalDpi xmlns:a14="http://schemas.microsoft.com/office/drawing/2010/main" val="0"/>
@@ -5086,7 +4900,7 @@
           <p:nvPr/>
         </p:nvPicPr>
         <p:blipFill>
-          <a:blip r:embed="rId21">
+          <a:blip r:embed="rId20">
             <a:extLst>
               <a:ext uri="{28A0092B-C50C-407E-A947-70E740481C1C}">
                 <a14:useLocalDpi xmlns:a14="http://schemas.microsoft.com/office/drawing/2010/main" val="0"/>
@@ -5100,7 +4914,7 @@
         </p:blipFill>
         <p:spPr bwMode="auto">
           <a:xfrm>
-            <a:off x="3156067" y="3452367"/>
+            <a:off x="1328248" y="3468752"/>
             <a:ext cx="1628931" cy="932078"/>
           </a:xfrm>
           <a:prstGeom prst="rect">
@@ -5118,10 +4932,2207 @@
           </a:extLst>
         </p:spPr>
       </p:pic>
+      <p:pic>
+        <p:nvPicPr>
+          <p:cNvPr id="21" name="Picture 2" descr="Recoil을 사용하여 상태관리 하기">
+            <a:extLst>
+              <a:ext uri="{FF2B5EF4-FFF2-40B4-BE49-F238E27FC236}">
+                <a16:creationId xmlns:a16="http://schemas.microsoft.com/office/drawing/2014/main" id="{FF823354-50CA-A672-3FEF-D62B4833D708}"/>
+              </a:ext>
+            </a:extLst>
+          </p:cNvPr>
+          <p:cNvPicPr>
+            <a:picLocks noChangeAspect="1" noChangeArrowheads="1"/>
+          </p:cNvPicPr>
+          <p:nvPr/>
+        </p:nvPicPr>
+        <p:blipFill>
+          <a:blip r:embed="rId21">
+            <a:extLst>
+              <a:ext uri="{28A0092B-C50C-407E-A947-70E740481C1C}">
+                <a14:useLocalDpi xmlns:a14="http://schemas.microsoft.com/office/drawing/2010/main" val="0"/>
+              </a:ext>
+            </a:extLst>
+          </a:blip>
+          <a:srcRect/>
+          <a:stretch>
+            <a:fillRect/>
+          </a:stretch>
+        </p:blipFill>
+        <p:spPr bwMode="auto">
+          <a:xfrm>
+            <a:off x="3004697" y="3466561"/>
+            <a:ext cx="1532024" cy="957515"/>
+          </a:xfrm>
+          <a:prstGeom prst="rect">
+            <a:avLst/>
+          </a:prstGeom>
+          <a:noFill/>
+          <a:extLst>
+            <a:ext uri="{909E8E84-426E-40DD-AFC4-6F175D3DCCD1}">
+              <a14:hiddenFill xmlns:a14="http://schemas.microsoft.com/office/drawing/2010/main">
+                <a:solidFill>
+                  <a:srgbClr val="FFFFFF"/>
+                </a:solidFill>
+              </a14:hiddenFill>
+            </a:ext>
+          </a:extLst>
+        </p:spPr>
+      </p:pic>
+      <p:pic>
+        <p:nvPicPr>
+          <p:cNvPr id="1046" name="Picture 22" descr="React 정복기] create-react-app 더 깊이... (실전 리액트 프로그래밍) - 2">
+            <a:extLst>
+              <a:ext uri="{FF2B5EF4-FFF2-40B4-BE49-F238E27FC236}">
+                <a16:creationId xmlns:a16="http://schemas.microsoft.com/office/drawing/2014/main" id="{F3044235-54EC-829C-EC2B-4470660D4722}"/>
+              </a:ext>
+            </a:extLst>
+          </p:cNvPr>
+          <p:cNvPicPr>
+            <a:picLocks noChangeAspect="1" noChangeArrowheads="1"/>
+          </p:cNvPicPr>
+          <p:nvPr/>
+        </p:nvPicPr>
+        <p:blipFill>
+          <a:blip r:embed="rId22">
+            <a:extLst>
+              <a:ext uri="{28A0092B-C50C-407E-A947-70E740481C1C}">
+                <a14:useLocalDpi xmlns:a14="http://schemas.microsoft.com/office/drawing/2010/main" val="0"/>
+              </a:ext>
+            </a:extLst>
+          </a:blip>
+          <a:srcRect/>
+          <a:stretch>
+            <a:fillRect/>
+          </a:stretch>
+        </p:blipFill>
+        <p:spPr bwMode="auto">
+          <a:xfrm>
+            <a:off x="1896786" y="2398384"/>
+            <a:ext cx="1741817" cy="989565"/>
+          </a:xfrm>
+          <a:prstGeom prst="rect">
+            <a:avLst/>
+          </a:prstGeom>
+          <a:noFill/>
+          <a:extLst>
+            <a:ext uri="{909E8E84-426E-40DD-AFC4-6F175D3DCCD1}">
+              <a14:hiddenFill xmlns:a14="http://schemas.microsoft.com/office/drawing/2010/main">
+                <a:solidFill>
+                  <a:srgbClr val="FFFFFF"/>
+                </a:solidFill>
+              </a14:hiddenFill>
+            </a:ext>
+          </a:extLst>
+        </p:spPr>
+      </p:pic>
+      <p:pic>
+        <p:nvPicPr>
+          <p:cNvPr id="23" name="Picture 2" descr="TypeScript] TypeScript란?(feat.기초 문법)">
+            <a:extLst>
+              <a:ext uri="{FF2B5EF4-FFF2-40B4-BE49-F238E27FC236}">
+                <a16:creationId xmlns:a16="http://schemas.microsoft.com/office/drawing/2014/main" id="{C9D06F99-CD5B-E6EC-5825-7507EB12CC81}"/>
+              </a:ext>
+            </a:extLst>
+          </p:cNvPr>
+          <p:cNvPicPr>
+            <a:picLocks noChangeAspect="1" noChangeArrowheads="1"/>
+          </p:cNvPicPr>
+          <p:nvPr/>
+        </p:nvPicPr>
+        <p:blipFill>
+          <a:blip r:embed="rId23">
+            <a:extLst>
+              <a:ext uri="{28A0092B-C50C-407E-A947-70E740481C1C}">
+                <a14:useLocalDpi xmlns:a14="http://schemas.microsoft.com/office/drawing/2010/main" val="0"/>
+              </a:ext>
+            </a:extLst>
+          </a:blip>
+          <a:srcRect/>
+          <a:stretch>
+            <a:fillRect/>
+          </a:stretch>
+        </p:blipFill>
+        <p:spPr bwMode="auto">
+          <a:xfrm>
+            <a:off x="3499381" y="2371834"/>
+            <a:ext cx="1811791" cy="989333"/>
+          </a:xfrm>
+          <a:prstGeom prst="rect">
+            <a:avLst/>
+          </a:prstGeom>
+          <a:noFill/>
+          <a:extLst>
+            <a:ext uri="{909E8E84-426E-40DD-AFC4-6F175D3DCCD1}">
+              <a14:hiddenFill xmlns:a14="http://schemas.microsoft.com/office/drawing/2010/main">
+                <a:solidFill>
+                  <a:srgbClr val="FFFFFF"/>
+                </a:solidFill>
+              </a14:hiddenFill>
+            </a:ext>
+          </a:extLst>
+        </p:spPr>
+      </p:pic>
+      <p:sp>
+        <p:nvSpPr>
+          <p:cNvPr id="20" name="사각형: 둥근 모서리 19">
+            <a:extLst>
+              <a:ext uri="{FF2B5EF4-FFF2-40B4-BE49-F238E27FC236}">
+                <a16:creationId xmlns:a16="http://schemas.microsoft.com/office/drawing/2014/main" id="{C3FC0446-0A07-C895-05D7-F2D3A18A9CE7}"/>
+              </a:ext>
+            </a:extLst>
+          </p:cNvPr>
+          <p:cNvSpPr/>
+          <p:nvPr/>
+        </p:nvSpPr>
+        <p:spPr>
+          <a:xfrm>
+            <a:off x="508745" y="2159180"/>
+            <a:ext cx="4830792" cy="3078387"/>
+          </a:xfrm>
+          <a:prstGeom prst="roundRect">
+            <a:avLst/>
+          </a:prstGeom>
+          <a:noFill/>
+          <a:ln w="19050">
+            <a:solidFill>
+              <a:schemeClr val="tx1"/>
+            </a:solidFill>
+          </a:ln>
+        </p:spPr>
+        <p:style>
+          <a:lnRef idx="2">
+            <a:schemeClr val="accent1">
+              <a:shade val="15000"/>
+            </a:schemeClr>
+          </a:lnRef>
+          <a:fillRef idx="1">
+            <a:schemeClr val="accent1"/>
+          </a:fillRef>
+          <a:effectRef idx="0">
+            <a:schemeClr val="accent1"/>
+          </a:effectRef>
+          <a:fontRef idx="minor">
+            <a:schemeClr val="lt1"/>
+          </a:fontRef>
+        </p:style>
+        <p:txBody>
+          <a:bodyPr rtlCol="0" anchor="ctr"/>
+          <a:lstStyle/>
+          <a:p>
+            <a:pPr algn="ctr"/>
+            <a:endParaRPr lang="ko-KR" altLang="en-US"/>
+          </a:p>
+        </p:txBody>
+      </p:sp>
+      <p:sp>
+        <p:nvSpPr>
+          <p:cNvPr id="28" name="직사각형 27">
+            <a:extLst>
+              <a:ext uri="{FF2B5EF4-FFF2-40B4-BE49-F238E27FC236}">
+                <a16:creationId xmlns:a16="http://schemas.microsoft.com/office/drawing/2014/main" id="{C72F7356-F02D-DF19-D632-A19B07EB7139}"/>
+              </a:ext>
+            </a:extLst>
+          </p:cNvPr>
+          <p:cNvSpPr/>
+          <p:nvPr/>
+        </p:nvSpPr>
+        <p:spPr>
+          <a:xfrm>
+            <a:off x="2058543" y="1873428"/>
+            <a:ext cx="1722039" cy="508959"/>
+          </a:xfrm>
+          <a:prstGeom prst="rect">
+            <a:avLst/>
+          </a:prstGeom>
+          <a:solidFill>
+            <a:schemeClr val="bg1"/>
+          </a:solidFill>
+          <a:ln>
+            <a:noFill/>
+          </a:ln>
+        </p:spPr>
+        <p:style>
+          <a:lnRef idx="2">
+            <a:schemeClr val="accent1">
+              <a:shade val="15000"/>
+            </a:schemeClr>
+          </a:lnRef>
+          <a:fillRef idx="1">
+            <a:schemeClr val="accent1"/>
+          </a:fillRef>
+          <a:effectRef idx="0">
+            <a:schemeClr val="accent1"/>
+          </a:effectRef>
+          <a:fontRef idx="minor">
+            <a:schemeClr val="lt1"/>
+          </a:fontRef>
+        </p:style>
+        <p:txBody>
+          <a:bodyPr rtlCol="0" anchor="ctr"/>
+          <a:lstStyle/>
+          <a:p>
+            <a:pPr algn="ctr"/>
+            <a:endParaRPr lang="ko-KR" altLang="en-US"/>
+          </a:p>
+        </p:txBody>
+      </p:sp>
+      <p:sp>
+        <p:nvSpPr>
+          <p:cNvPr id="25" name="TextBox 24">
+            <a:extLst>
+              <a:ext uri="{FF2B5EF4-FFF2-40B4-BE49-F238E27FC236}">
+                <a16:creationId xmlns:a16="http://schemas.microsoft.com/office/drawing/2014/main" id="{8B801A4D-6C0A-FA47-25F4-04C534E92F8D}"/>
+              </a:ext>
+            </a:extLst>
+          </p:cNvPr>
+          <p:cNvSpPr txBox="1"/>
+          <p:nvPr/>
+        </p:nvSpPr>
+        <p:spPr>
+          <a:xfrm>
+            <a:off x="2183425" y="1981699"/>
+            <a:ext cx="1481431" cy="369332"/>
+          </a:xfrm>
+          <a:prstGeom prst="rect">
+            <a:avLst/>
+          </a:prstGeom>
+          <a:noFill/>
+        </p:spPr>
+        <p:txBody>
+          <a:bodyPr wrap="none" rtlCol="0">
+            <a:spAutoFit/>
+          </a:bodyPr>
+          <a:lstStyle/>
+          <a:p>
+            <a:r>
+              <a:rPr lang="en-US" altLang="ko-KR" dirty="0"/>
+              <a:t>Presentation</a:t>
+            </a:r>
+            <a:endParaRPr lang="ko-KR" altLang="en-US" dirty="0"/>
+          </a:p>
+        </p:txBody>
+      </p:sp>
     </p:spTree>
     <p:extLst>
       <p:ext uri="{BB962C8B-B14F-4D97-AF65-F5344CB8AC3E}">
         <p14:creationId xmlns:p14="http://schemas.microsoft.com/office/powerpoint/2010/main" val="2149724268"/>
+      </p:ext>
+    </p:extLst>
+  </p:cSld>
+  <p:clrMapOvr>
+    <a:masterClrMapping/>
+  </p:clrMapOvr>
+</p:sld>
+</file>
+
+<file path=ppt/slides/slide2.xml><?xml version="1.0" encoding="utf-8"?>
+<p:sld xmlns:a="http://schemas.openxmlformats.org/drawingml/2006/main" xmlns:r="http://schemas.openxmlformats.org/officeDocument/2006/relationships" xmlns:p="http://schemas.openxmlformats.org/presentationml/2006/main">
+  <p:cSld>
+    <p:spTree>
+      <p:nvGrpSpPr>
+        <p:cNvPr id="1" name=""/>
+        <p:cNvGrpSpPr/>
+        <p:nvPr/>
+      </p:nvGrpSpPr>
+      <p:grpSpPr>
+        <a:xfrm>
+          <a:off x="0" y="0"/>
+          <a:ext cx="0" cy="0"/>
+          <a:chOff x="0" y="0"/>
+          <a:chExt cx="0" cy="0"/>
+        </a:xfrm>
+      </p:grpSpPr>
+      <p:pic>
+        <p:nvPicPr>
+          <p:cNvPr id="1032" name="Picture 8" descr="Spring JPA] JPA 란?">
+            <a:extLst>
+              <a:ext uri="{FF2B5EF4-FFF2-40B4-BE49-F238E27FC236}">
+                <a16:creationId xmlns:a16="http://schemas.microsoft.com/office/drawing/2014/main" id="{EC522DA4-E29A-AADF-2E7D-E3CC18E2040C}"/>
+              </a:ext>
+            </a:extLst>
+          </p:cNvPr>
+          <p:cNvPicPr>
+            <a:picLocks noChangeAspect="1" noChangeArrowheads="1"/>
+          </p:cNvPicPr>
+          <p:nvPr/>
+        </p:nvPicPr>
+        <p:blipFill>
+          <a:blip r:embed="rId2">
+            <a:extLst>
+              <a:ext uri="{28A0092B-C50C-407E-A947-70E740481C1C}">
+                <a14:useLocalDpi xmlns:a14="http://schemas.microsoft.com/office/drawing/2010/main" val="0"/>
+              </a:ext>
+            </a:extLst>
+          </a:blip>
+          <a:srcRect/>
+          <a:stretch>
+            <a:fillRect/>
+          </a:stretch>
+        </p:blipFill>
+        <p:spPr bwMode="auto">
+          <a:xfrm>
+            <a:off x="8663912" y="2189520"/>
+            <a:ext cx="1080937" cy="1080937"/>
+          </a:xfrm>
+          <a:prstGeom prst="rect">
+            <a:avLst/>
+          </a:prstGeom>
+          <a:noFill/>
+          <a:extLst>
+            <a:ext uri="{909E8E84-426E-40DD-AFC4-6F175D3DCCD1}">
+              <a14:hiddenFill xmlns:a14="http://schemas.microsoft.com/office/drawing/2010/main">
+                <a:solidFill>
+                  <a:srgbClr val="FFFFFF"/>
+                </a:solidFill>
+              </a14:hiddenFill>
+            </a:ext>
+          </a:extLst>
+        </p:spPr>
+      </p:pic>
+      <p:pic>
+        <p:nvPicPr>
+          <p:cNvPr id="1034" name="Picture 10" descr="Spring Security 동작 원리">
+            <a:extLst>
+              <a:ext uri="{FF2B5EF4-FFF2-40B4-BE49-F238E27FC236}">
+                <a16:creationId xmlns:a16="http://schemas.microsoft.com/office/drawing/2014/main" id="{147CCA4E-E825-67A5-3A47-F39C15F883EA}"/>
+              </a:ext>
+            </a:extLst>
+          </p:cNvPr>
+          <p:cNvPicPr>
+            <a:picLocks noChangeAspect="1" noChangeArrowheads="1"/>
+          </p:cNvPicPr>
+          <p:nvPr/>
+        </p:nvPicPr>
+        <p:blipFill>
+          <a:blip r:embed="rId3">
+            <a:extLst>
+              <a:ext uri="{28A0092B-C50C-407E-A947-70E740481C1C}">
+                <a14:useLocalDpi xmlns:a14="http://schemas.microsoft.com/office/drawing/2010/main" val="0"/>
+              </a:ext>
+            </a:extLst>
+          </a:blip>
+          <a:srcRect/>
+          <a:stretch>
+            <a:fillRect/>
+          </a:stretch>
+        </p:blipFill>
+        <p:spPr bwMode="auto">
+          <a:xfrm>
+            <a:off x="7436994" y="1513485"/>
+            <a:ext cx="1532024" cy="861763"/>
+          </a:xfrm>
+          <a:prstGeom prst="rect">
+            <a:avLst/>
+          </a:prstGeom>
+          <a:noFill/>
+          <a:extLst>
+            <a:ext uri="{909E8E84-426E-40DD-AFC4-6F175D3DCCD1}">
+              <a14:hiddenFill xmlns:a14="http://schemas.microsoft.com/office/drawing/2010/main">
+                <a:solidFill>
+                  <a:srgbClr val="FFFFFF"/>
+                </a:solidFill>
+              </a14:hiddenFill>
+            </a:ext>
+          </a:extLst>
+        </p:spPr>
+      </p:pic>
+      <p:pic>
+        <p:nvPicPr>
+          <p:cNvPr id="16" name="Picture 4">
+            <a:extLst>
+              <a:ext uri="{FF2B5EF4-FFF2-40B4-BE49-F238E27FC236}">
+                <a16:creationId xmlns:a16="http://schemas.microsoft.com/office/drawing/2014/main" id="{E01F67C2-02B8-3222-0ADB-8D4FA81D99EE}"/>
+              </a:ext>
+            </a:extLst>
+          </p:cNvPr>
+          <p:cNvPicPr>
+            <a:picLocks noChangeAspect="1" noChangeArrowheads="1"/>
+          </p:cNvPicPr>
+          <p:nvPr/>
+        </p:nvPicPr>
+        <p:blipFill>
+          <a:blip r:embed="rId4">
+            <a:extLst>
+              <a:ext uri="{28A0092B-C50C-407E-A947-70E740481C1C}">
+                <a14:useLocalDpi xmlns:a14="http://schemas.microsoft.com/office/drawing/2010/main" val="0"/>
+              </a:ext>
+            </a:extLst>
+          </a:blip>
+          <a:srcRect/>
+          <a:stretch>
+            <a:fillRect/>
+          </a:stretch>
+        </p:blipFill>
+        <p:spPr bwMode="auto">
+          <a:xfrm>
+            <a:off x="5706765" y="3623413"/>
+            <a:ext cx="838102" cy="560481"/>
+          </a:xfrm>
+          <a:prstGeom prst="rect">
+            <a:avLst/>
+          </a:prstGeom>
+          <a:noFill/>
+          <a:extLst>
+            <a:ext uri="{909E8E84-426E-40DD-AFC4-6F175D3DCCD1}">
+              <a14:hiddenFill xmlns:a14="http://schemas.microsoft.com/office/drawing/2010/main">
+                <a:solidFill>
+                  <a:srgbClr val="FFFFFF"/>
+                </a:solidFill>
+              </a14:hiddenFill>
+            </a:ext>
+          </a:extLst>
+        </p:spPr>
+      </p:pic>
+      <p:pic>
+        <p:nvPicPr>
+          <p:cNvPr id="10" name="Picture 2" descr="API] - Swagger 사용법">
+            <a:extLst>
+              <a:ext uri="{FF2B5EF4-FFF2-40B4-BE49-F238E27FC236}">
+                <a16:creationId xmlns:a16="http://schemas.microsoft.com/office/drawing/2014/main" id="{E3B9A82D-F942-4DF0-158B-5056911D3D0B}"/>
+              </a:ext>
+            </a:extLst>
+          </p:cNvPr>
+          <p:cNvPicPr>
+            <a:picLocks noChangeAspect="1" noChangeArrowheads="1"/>
+          </p:cNvPicPr>
+          <p:nvPr/>
+        </p:nvPicPr>
+        <p:blipFill>
+          <a:blip r:embed="rId5">
+            <a:extLst>
+              <a:ext uri="{28A0092B-C50C-407E-A947-70E740481C1C}">
+                <a14:useLocalDpi xmlns:a14="http://schemas.microsoft.com/office/drawing/2010/main" val="0"/>
+              </a:ext>
+            </a:extLst>
+          </a:blip>
+          <a:srcRect/>
+          <a:stretch>
+            <a:fillRect/>
+          </a:stretch>
+        </p:blipFill>
+        <p:spPr bwMode="auto">
+          <a:xfrm>
+            <a:off x="5355273" y="2228589"/>
+            <a:ext cx="1477169" cy="398336"/>
+          </a:xfrm>
+          <a:prstGeom prst="rect">
+            <a:avLst/>
+          </a:prstGeom>
+          <a:noFill/>
+          <a:extLst>
+            <a:ext uri="{909E8E84-426E-40DD-AFC4-6F175D3DCCD1}">
+              <a14:hiddenFill xmlns:a14="http://schemas.microsoft.com/office/drawing/2010/main">
+                <a:solidFill>
+                  <a:srgbClr val="FFFFFF"/>
+                </a:solidFill>
+              </a14:hiddenFill>
+            </a:ext>
+          </a:extLst>
+        </p:spPr>
+      </p:pic>
+      <p:pic>
+        <p:nvPicPr>
+          <p:cNvPr id="5" name="Picture 4" descr="Github]깃허브 기본 개념">
+            <a:extLst>
+              <a:ext uri="{FF2B5EF4-FFF2-40B4-BE49-F238E27FC236}">
+                <a16:creationId xmlns:a16="http://schemas.microsoft.com/office/drawing/2014/main" id="{9F4AD723-930F-307A-E7AF-2F02E66826AF}"/>
+              </a:ext>
+            </a:extLst>
+          </p:cNvPr>
+          <p:cNvPicPr>
+            <a:picLocks noChangeAspect="1" noChangeArrowheads="1"/>
+          </p:cNvPicPr>
+          <p:nvPr/>
+        </p:nvPicPr>
+        <p:blipFill>
+          <a:blip r:embed="rId6">
+            <a:extLst>
+              <a:ext uri="{28A0092B-C50C-407E-A947-70E740481C1C}">
+                <a14:useLocalDpi xmlns:a14="http://schemas.microsoft.com/office/drawing/2010/main" val="0"/>
+              </a:ext>
+            </a:extLst>
+          </a:blip>
+          <a:srcRect/>
+          <a:stretch>
+            <a:fillRect/>
+          </a:stretch>
+        </p:blipFill>
+        <p:spPr bwMode="auto">
+          <a:xfrm>
+            <a:off x="4590055" y="4671549"/>
+            <a:ext cx="1567739" cy="881968"/>
+          </a:xfrm>
+          <a:prstGeom prst="rect">
+            <a:avLst/>
+          </a:prstGeom>
+          <a:noFill/>
+          <a:extLst>
+            <a:ext uri="{909E8E84-426E-40DD-AFC4-6F175D3DCCD1}">
+              <a14:hiddenFill xmlns:a14="http://schemas.microsoft.com/office/drawing/2010/main">
+                <a:solidFill>
+                  <a:srgbClr val="FFFFFF"/>
+                </a:solidFill>
+              </a14:hiddenFill>
+            </a:ext>
+          </a:extLst>
+        </p:spPr>
+      </p:pic>
+      <p:pic>
+        <p:nvPicPr>
+          <p:cNvPr id="1044" name="Picture 20" descr="Github Actions 과 함께 Continuous Delivery 구축하기 | by Yuwon Oh | 29CM TEAM |  29CM TEAM">
+            <a:extLst>
+              <a:ext uri="{FF2B5EF4-FFF2-40B4-BE49-F238E27FC236}">
+                <a16:creationId xmlns:a16="http://schemas.microsoft.com/office/drawing/2014/main" id="{4E86A095-551B-D38A-9644-D655C3D3E26E}"/>
+              </a:ext>
+            </a:extLst>
+          </p:cNvPr>
+          <p:cNvPicPr>
+            <a:picLocks noChangeAspect="1" noChangeArrowheads="1"/>
+          </p:cNvPicPr>
+          <p:nvPr/>
+        </p:nvPicPr>
+        <p:blipFill>
+          <a:blip r:embed="rId7">
+            <a:extLst>
+              <a:ext uri="{28A0092B-C50C-407E-A947-70E740481C1C}">
+                <a14:useLocalDpi xmlns:a14="http://schemas.microsoft.com/office/drawing/2010/main" val="0"/>
+              </a:ext>
+            </a:extLst>
+          </a:blip>
+          <a:srcRect/>
+          <a:stretch>
+            <a:fillRect/>
+          </a:stretch>
+        </p:blipFill>
+        <p:spPr bwMode="auto">
+          <a:xfrm>
+            <a:off x="5605246" y="4493794"/>
+            <a:ext cx="1043519" cy="533893"/>
+          </a:xfrm>
+          <a:prstGeom prst="rect">
+            <a:avLst/>
+          </a:prstGeom>
+          <a:noFill/>
+          <a:extLst>
+            <a:ext uri="{909E8E84-426E-40DD-AFC4-6F175D3DCCD1}">
+              <a14:hiddenFill xmlns:a14="http://schemas.microsoft.com/office/drawing/2010/main">
+                <a:solidFill>
+                  <a:srgbClr val="FFFFFF"/>
+                </a:solidFill>
+              </a14:hiddenFill>
+            </a:ext>
+          </a:extLst>
+        </p:spPr>
+      </p:pic>
+      <p:sp>
+        <p:nvSpPr>
+          <p:cNvPr id="4" name="사각형: 둥근 모서리 3">
+            <a:extLst>
+              <a:ext uri="{FF2B5EF4-FFF2-40B4-BE49-F238E27FC236}">
+                <a16:creationId xmlns:a16="http://schemas.microsoft.com/office/drawing/2014/main" id="{32315B42-0EE8-6362-DD6B-55CD8D5C1732}"/>
+              </a:ext>
+            </a:extLst>
+          </p:cNvPr>
+          <p:cNvSpPr/>
+          <p:nvPr/>
+        </p:nvSpPr>
+        <p:spPr>
+          <a:xfrm>
+            <a:off x="6797613" y="819515"/>
+            <a:ext cx="4830792" cy="4813534"/>
+          </a:xfrm>
+          <a:prstGeom prst="roundRect">
+            <a:avLst/>
+          </a:prstGeom>
+          <a:noFill/>
+          <a:ln w="19050">
+            <a:solidFill>
+              <a:schemeClr val="tx1"/>
+            </a:solidFill>
+          </a:ln>
+        </p:spPr>
+        <p:style>
+          <a:lnRef idx="2">
+            <a:schemeClr val="accent1">
+              <a:shade val="15000"/>
+            </a:schemeClr>
+          </a:lnRef>
+          <a:fillRef idx="1">
+            <a:schemeClr val="accent1"/>
+          </a:fillRef>
+          <a:effectRef idx="0">
+            <a:schemeClr val="accent1"/>
+          </a:effectRef>
+          <a:fontRef idx="minor">
+            <a:schemeClr val="lt1"/>
+          </a:fontRef>
+        </p:style>
+        <p:txBody>
+          <a:bodyPr rtlCol="0" anchor="ctr"/>
+          <a:lstStyle/>
+          <a:p>
+            <a:pPr algn="ctr"/>
+            <a:endParaRPr lang="ko-KR" altLang="en-US"/>
+          </a:p>
+        </p:txBody>
+      </p:sp>
+      <p:sp>
+        <p:nvSpPr>
+          <p:cNvPr id="6" name="사각형: 둥근 모서리 5">
+            <a:extLst>
+              <a:ext uri="{FF2B5EF4-FFF2-40B4-BE49-F238E27FC236}">
+                <a16:creationId xmlns:a16="http://schemas.microsoft.com/office/drawing/2014/main" id="{84600DCB-F7B4-FCEB-FEF4-08C59EC5FAA4}"/>
+              </a:ext>
+            </a:extLst>
+          </p:cNvPr>
+          <p:cNvSpPr/>
+          <p:nvPr/>
+        </p:nvSpPr>
+        <p:spPr>
+          <a:xfrm>
+            <a:off x="9360657" y="3985410"/>
+            <a:ext cx="1546003" cy="1228820"/>
+          </a:xfrm>
+          <a:prstGeom prst="roundRect">
+            <a:avLst/>
+          </a:prstGeom>
+          <a:noFill/>
+          <a:ln w="19050">
+            <a:solidFill>
+              <a:schemeClr val="tx1"/>
+            </a:solidFill>
+          </a:ln>
+        </p:spPr>
+        <p:style>
+          <a:lnRef idx="2">
+            <a:schemeClr val="accent1">
+              <a:shade val="15000"/>
+            </a:schemeClr>
+          </a:lnRef>
+          <a:fillRef idx="1">
+            <a:schemeClr val="accent1"/>
+          </a:fillRef>
+          <a:effectRef idx="0">
+            <a:schemeClr val="accent1"/>
+          </a:effectRef>
+          <a:fontRef idx="minor">
+            <a:schemeClr val="lt1"/>
+          </a:fontRef>
+        </p:style>
+        <p:txBody>
+          <a:bodyPr rtlCol="0" anchor="ctr"/>
+          <a:lstStyle/>
+          <a:p>
+            <a:pPr algn="ctr"/>
+            <a:endParaRPr lang="ko-KR" altLang="en-US"/>
+          </a:p>
+        </p:txBody>
+      </p:sp>
+      <p:sp>
+        <p:nvSpPr>
+          <p:cNvPr id="7" name="사각형: 둥근 모서리 6">
+            <a:extLst>
+              <a:ext uri="{FF2B5EF4-FFF2-40B4-BE49-F238E27FC236}">
+                <a16:creationId xmlns:a16="http://schemas.microsoft.com/office/drawing/2014/main" id="{E7D44AB6-90B7-9F0E-C663-1D064D1E8598}"/>
+              </a:ext>
+            </a:extLst>
+          </p:cNvPr>
+          <p:cNvSpPr/>
+          <p:nvPr/>
+        </p:nvSpPr>
+        <p:spPr>
+          <a:xfrm>
+            <a:off x="7519356" y="1324160"/>
+            <a:ext cx="3387305" cy="2001329"/>
+          </a:xfrm>
+          <a:prstGeom prst="roundRect">
+            <a:avLst/>
+          </a:prstGeom>
+          <a:noFill/>
+          <a:ln w="19050">
+            <a:solidFill>
+              <a:schemeClr val="tx1"/>
+            </a:solidFill>
+          </a:ln>
+        </p:spPr>
+        <p:style>
+          <a:lnRef idx="2">
+            <a:schemeClr val="accent1">
+              <a:shade val="15000"/>
+            </a:schemeClr>
+          </a:lnRef>
+          <a:fillRef idx="1">
+            <a:schemeClr val="accent1"/>
+          </a:fillRef>
+          <a:effectRef idx="0">
+            <a:schemeClr val="accent1"/>
+          </a:effectRef>
+          <a:fontRef idx="minor">
+            <a:schemeClr val="lt1"/>
+          </a:fontRef>
+        </p:style>
+        <p:txBody>
+          <a:bodyPr rtlCol="0" anchor="ctr"/>
+          <a:lstStyle/>
+          <a:p>
+            <a:pPr algn="ctr"/>
+            <a:endParaRPr lang="ko-KR" altLang="en-US"/>
+          </a:p>
+        </p:txBody>
+      </p:sp>
+      <p:pic>
+        <p:nvPicPr>
+          <p:cNvPr id="1026" name="Picture 2" descr="AWS] EC2 알아보기 + 인스턴스 생성하기">
+            <a:extLst>
+              <a:ext uri="{FF2B5EF4-FFF2-40B4-BE49-F238E27FC236}">
+                <a16:creationId xmlns:a16="http://schemas.microsoft.com/office/drawing/2014/main" id="{C3BB2A8E-C781-E913-199C-C867D5F2BC42}"/>
+              </a:ext>
+            </a:extLst>
+          </p:cNvPr>
+          <p:cNvPicPr>
+            <a:picLocks noChangeAspect="1" noChangeArrowheads="1"/>
+          </p:cNvPicPr>
+          <p:nvPr/>
+        </p:nvPicPr>
+        <p:blipFill>
+          <a:blip r:embed="rId8">
+            <a:extLst>
+              <a:ext uri="{28A0092B-C50C-407E-A947-70E740481C1C}">
+                <a14:useLocalDpi xmlns:a14="http://schemas.microsoft.com/office/drawing/2010/main" val="0"/>
+              </a:ext>
+            </a:extLst>
+          </a:blip>
+          <a:srcRect/>
+          <a:stretch>
+            <a:fillRect/>
+          </a:stretch>
+        </p:blipFill>
+        <p:spPr bwMode="auto">
+          <a:xfrm>
+            <a:off x="8439146" y="120931"/>
+            <a:ext cx="1547723" cy="988823"/>
+          </a:xfrm>
+          <a:prstGeom prst="rect">
+            <a:avLst/>
+          </a:prstGeom>
+          <a:noFill/>
+          <a:extLst>
+            <a:ext uri="{909E8E84-426E-40DD-AFC4-6F175D3DCCD1}">
+              <a14:hiddenFill xmlns:a14="http://schemas.microsoft.com/office/drawing/2010/main">
+                <a:solidFill>
+                  <a:srgbClr val="FFFFFF"/>
+                </a:solidFill>
+              </a14:hiddenFill>
+            </a:ext>
+          </a:extLst>
+        </p:spPr>
+      </p:pic>
+      <p:pic>
+        <p:nvPicPr>
+          <p:cNvPr id="1028" name="Picture 4" descr="MySQL 강좌 : 제 1강 - 소개 및 설치 - YUN DAE HEE">
+            <a:extLst>
+              <a:ext uri="{FF2B5EF4-FFF2-40B4-BE49-F238E27FC236}">
+                <a16:creationId xmlns:a16="http://schemas.microsoft.com/office/drawing/2014/main" id="{39116116-930C-AC60-0DD9-00C1CF23E302}"/>
+              </a:ext>
+            </a:extLst>
+          </p:cNvPr>
+          <p:cNvPicPr>
+            <a:picLocks noChangeAspect="1" noChangeArrowheads="1"/>
+          </p:cNvPicPr>
+          <p:nvPr/>
+        </p:nvPicPr>
+        <p:blipFill>
+          <a:blip r:embed="rId9">
+            <a:extLst>
+              <a:ext uri="{28A0092B-C50C-407E-A947-70E740481C1C}">
+                <a14:useLocalDpi xmlns:a14="http://schemas.microsoft.com/office/drawing/2010/main" val="0"/>
+              </a:ext>
+            </a:extLst>
+          </a:blip>
+          <a:srcRect/>
+          <a:stretch>
+            <a:fillRect/>
+          </a:stretch>
+        </p:blipFill>
+        <p:spPr bwMode="auto">
+          <a:xfrm>
+            <a:off x="9579026" y="4267599"/>
+            <a:ext cx="1160890" cy="773926"/>
+          </a:xfrm>
+          <a:prstGeom prst="rect">
+            <a:avLst/>
+          </a:prstGeom>
+          <a:noFill/>
+          <a:extLst>
+            <a:ext uri="{909E8E84-426E-40DD-AFC4-6F175D3DCCD1}">
+              <a14:hiddenFill xmlns:a14="http://schemas.microsoft.com/office/drawing/2010/main">
+                <a:solidFill>
+                  <a:srgbClr val="FFFFFF"/>
+                </a:solidFill>
+              </a14:hiddenFill>
+            </a:ext>
+          </a:extLst>
+        </p:spPr>
+      </p:pic>
+      <p:sp>
+        <p:nvSpPr>
+          <p:cNvPr id="9" name="직사각형 8">
+            <a:extLst>
+              <a:ext uri="{FF2B5EF4-FFF2-40B4-BE49-F238E27FC236}">
+                <a16:creationId xmlns:a16="http://schemas.microsoft.com/office/drawing/2014/main" id="{D477F828-4CB6-5E2C-ADFB-31D3F57A8AEC}"/>
+              </a:ext>
+            </a:extLst>
+          </p:cNvPr>
+          <p:cNvSpPr/>
+          <p:nvPr/>
+        </p:nvSpPr>
+        <p:spPr>
+          <a:xfrm>
+            <a:off x="9768923" y="3708129"/>
+            <a:ext cx="690788" cy="508959"/>
+          </a:xfrm>
+          <a:prstGeom prst="rect">
+            <a:avLst/>
+          </a:prstGeom>
+          <a:solidFill>
+            <a:schemeClr val="bg1"/>
+          </a:solidFill>
+          <a:ln>
+            <a:noFill/>
+          </a:ln>
+        </p:spPr>
+        <p:style>
+          <a:lnRef idx="2">
+            <a:schemeClr val="accent1">
+              <a:shade val="15000"/>
+            </a:schemeClr>
+          </a:lnRef>
+          <a:fillRef idx="1">
+            <a:schemeClr val="accent1"/>
+          </a:fillRef>
+          <a:effectRef idx="0">
+            <a:schemeClr val="accent1"/>
+          </a:effectRef>
+          <a:fontRef idx="minor">
+            <a:schemeClr val="lt1"/>
+          </a:fontRef>
+        </p:style>
+        <p:txBody>
+          <a:bodyPr rtlCol="0" anchor="ctr"/>
+          <a:lstStyle/>
+          <a:p>
+            <a:pPr algn="ctr"/>
+            <a:endParaRPr lang="ko-KR" altLang="en-US"/>
+          </a:p>
+        </p:txBody>
+      </p:sp>
+      <p:sp>
+        <p:nvSpPr>
+          <p:cNvPr id="8" name="TextBox 7">
+            <a:extLst>
+              <a:ext uri="{FF2B5EF4-FFF2-40B4-BE49-F238E27FC236}">
+                <a16:creationId xmlns:a16="http://schemas.microsoft.com/office/drawing/2014/main" id="{12AB84F3-C003-B06E-A69C-8003FB6090D9}"/>
+              </a:ext>
+            </a:extLst>
+          </p:cNvPr>
+          <p:cNvSpPr txBox="1"/>
+          <p:nvPr/>
+        </p:nvSpPr>
+        <p:spPr>
+          <a:xfrm>
+            <a:off x="9780721" y="3786568"/>
+            <a:ext cx="670376" cy="369332"/>
+          </a:xfrm>
+          <a:prstGeom prst="rect">
+            <a:avLst/>
+          </a:prstGeom>
+          <a:noFill/>
+        </p:spPr>
+        <p:txBody>
+          <a:bodyPr wrap="none" rtlCol="0">
+            <a:spAutoFit/>
+          </a:bodyPr>
+          <a:lstStyle/>
+          <a:p>
+            <a:r>
+              <a:rPr lang="en-US" altLang="ko-KR" dirty="0"/>
+              <a:t>Data</a:t>
+            </a:r>
+            <a:endParaRPr lang="ko-KR" altLang="en-US" dirty="0"/>
+          </a:p>
+        </p:txBody>
+      </p:sp>
+      <p:cxnSp>
+        <p:nvCxnSpPr>
+          <p:cNvPr id="11" name="직선 화살표 연결선 10">
+            <a:extLst>
+              <a:ext uri="{FF2B5EF4-FFF2-40B4-BE49-F238E27FC236}">
+                <a16:creationId xmlns:a16="http://schemas.microsoft.com/office/drawing/2014/main" id="{9DB86219-500F-D142-33EE-3D66EAE5E339}"/>
+              </a:ext>
+            </a:extLst>
+          </p:cNvPr>
+          <p:cNvCxnSpPr>
+            <a:cxnSpLocks/>
+          </p:cNvCxnSpPr>
+          <p:nvPr/>
+        </p:nvCxnSpPr>
+        <p:spPr>
+          <a:xfrm flipV="1">
+            <a:off x="10059895" y="3416745"/>
+            <a:ext cx="0" cy="282757"/>
+          </a:xfrm>
+          <a:prstGeom prst="straightConnector1">
+            <a:avLst/>
+          </a:prstGeom>
+          <a:ln w="19050">
+            <a:solidFill>
+              <a:schemeClr val="tx1"/>
+            </a:solidFill>
+            <a:tailEnd type="triangle"/>
+          </a:ln>
+        </p:spPr>
+        <p:style>
+          <a:lnRef idx="1">
+            <a:schemeClr val="accent1"/>
+          </a:lnRef>
+          <a:fillRef idx="0">
+            <a:schemeClr val="accent1"/>
+          </a:fillRef>
+          <a:effectRef idx="0">
+            <a:schemeClr val="accent1"/>
+          </a:effectRef>
+          <a:fontRef idx="minor">
+            <a:schemeClr val="tx1"/>
+          </a:fontRef>
+        </p:style>
+      </p:cxnSp>
+      <p:pic>
+        <p:nvPicPr>
+          <p:cNvPr id="1036" name="Picture 12" descr="Json Web Token (JWT) in NodeJS">
+            <a:extLst>
+              <a:ext uri="{FF2B5EF4-FFF2-40B4-BE49-F238E27FC236}">
+                <a16:creationId xmlns:a16="http://schemas.microsoft.com/office/drawing/2014/main" id="{1F1FA5CF-F43E-63AB-98B1-5C0BC8A694E0}"/>
+              </a:ext>
+            </a:extLst>
+          </p:cNvPr>
+          <p:cNvPicPr>
+            <a:picLocks noChangeAspect="1" noChangeArrowheads="1"/>
+          </p:cNvPicPr>
+          <p:nvPr/>
+        </p:nvPicPr>
+        <p:blipFill>
+          <a:blip r:embed="rId10">
+            <a:extLst>
+              <a:ext uri="{28A0092B-C50C-407E-A947-70E740481C1C}">
+                <a14:useLocalDpi xmlns:a14="http://schemas.microsoft.com/office/drawing/2010/main" val="0"/>
+              </a:ext>
+            </a:extLst>
+          </a:blip>
+          <a:srcRect/>
+          <a:stretch>
+            <a:fillRect/>
+          </a:stretch>
+        </p:blipFill>
+        <p:spPr bwMode="auto">
+          <a:xfrm>
+            <a:off x="9678845" y="1665158"/>
+            <a:ext cx="1163777" cy="727361"/>
+          </a:xfrm>
+          <a:prstGeom prst="rect">
+            <a:avLst/>
+          </a:prstGeom>
+          <a:noFill/>
+          <a:extLst>
+            <a:ext uri="{909E8E84-426E-40DD-AFC4-6F175D3DCCD1}">
+              <a14:hiddenFill xmlns:a14="http://schemas.microsoft.com/office/drawing/2010/main">
+                <a:solidFill>
+                  <a:srgbClr val="FFFFFF"/>
+                </a:solidFill>
+              </a14:hiddenFill>
+            </a:ext>
+          </a:extLst>
+        </p:spPr>
+      </p:pic>
+      <p:sp>
+        <p:nvSpPr>
+          <p:cNvPr id="13" name="직사각형 12">
+            <a:extLst>
+              <a:ext uri="{FF2B5EF4-FFF2-40B4-BE49-F238E27FC236}">
+                <a16:creationId xmlns:a16="http://schemas.microsoft.com/office/drawing/2014/main" id="{8EF611B2-B492-4EA2-8BC2-7CC0637D3988}"/>
+              </a:ext>
+            </a:extLst>
+          </p:cNvPr>
+          <p:cNvSpPr/>
+          <p:nvPr/>
+        </p:nvSpPr>
+        <p:spPr>
+          <a:xfrm>
+            <a:off x="8667772" y="1156741"/>
+            <a:ext cx="1000595" cy="508959"/>
+          </a:xfrm>
+          <a:prstGeom prst="rect">
+            <a:avLst/>
+          </a:prstGeom>
+          <a:solidFill>
+            <a:schemeClr val="bg1"/>
+          </a:solidFill>
+          <a:ln>
+            <a:noFill/>
+          </a:ln>
+        </p:spPr>
+        <p:style>
+          <a:lnRef idx="2">
+            <a:schemeClr val="accent1">
+              <a:shade val="15000"/>
+            </a:schemeClr>
+          </a:lnRef>
+          <a:fillRef idx="1">
+            <a:schemeClr val="accent1"/>
+          </a:fillRef>
+          <a:effectRef idx="0">
+            <a:schemeClr val="accent1"/>
+          </a:effectRef>
+          <a:fontRef idx="minor">
+            <a:schemeClr val="lt1"/>
+          </a:fontRef>
+        </p:style>
+        <p:txBody>
+          <a:bodyPr rtlCol="0" anchor="ctr"/>
+          <a:lstStyle/>
+          <a:p>
+            <a:pPr algn="ctr"/>
+            <a:endParaRPr lang="ko-KR" altLang="en-US"/>
+          </a:p>
+        </p:txBody>
+      </p:sp>
+      <p:sp>
+        <p:nvSpPr>
+          <p:cNvPr id="14" name="TextBox 13">
+            <a:extLst>
+              <a:ext uri="{FF2B5EF4-FFF2-40B4-BE49-F238E27FC236}">
+                <a16:creationId xmlns:a16="http://schemas.microsoft.com/office/drawing/2014/main" id="{DC083347-00BE-F6E9-CE3D-320F8F6B9A9A}"/>
+              </a:ext>
+            </a:extLst>
+          </p:cNvPr>
+          <p:cNvSpPr txBox="1"/>
+          <p:nvPr/>
+        </p:nvSpPr>
+        <p:spPr>
+          <a:xfrm>
+            <a:off x="8672538" y="1113850"/>
+            <a:ext cx="1000595" cy="369332"/>
+          </a:xfrm>
+          <a:prstGeom prst="rect">
+            <a:avLst/>
+          </a:prstGeom>
+          <a:noFill/>
+        </p:spPr>
+        <p:txBody>
+          <a:bodyPr wrap="none" rtlCol="0">
+            <a:spAutoFit/>
+          </a:bodyPr>
+          <a:lstStyle/>
+          <a:p>
+            <a:r>
+              <a:rPr lang="en-US" altLang="ko-KR" dirty="0"/>
+              <a:t>Domain</a:t>
+            </a:r>
+            <a:endParaRPr lang="ko-KR" altLang="en-US" dirty="0"/>
+          </a:p>
+        </p:txBody>
+      </p:sp>
+      <p:pic>
+        <p:nvPicPr>
+          <p:cNvPr id="1040" name="Picture 16" descr="초보를 위한 도커 안내서 - 도커란 무엇인가?">
+            <a:extLst>
+              <a:ext uri="{FF2B5EF4-FFF2-40B4-BE49-F238E27FC236}">
+                <a16:creationId xmlns:a16="http://schemas.microsoft.com/office/drawing/2014/main" id="{016FAF39-3D2C-2708-AC13-C83F89735E80}"/>
+              </a:ext>
+            </a:extLst>
+          </p:cNvPr>
+          <p:cNvPicPr>
+            <a:picLocks noChangeAspect="1" noChangeArrowheads="1"/>
+          </p:cNvPicPr>
+          <p:nvPr/>
+        </p:nvPicPr>
+        <p:blipFill>
+          <a:blip r:embed="rId11">
+            <a:extLst>
+              <a:ext uri="{28A0092B-C50C-407E-A947-70E740481C1C}">
+                <a14:useLocalDpi xmlns:a14="http://schemas.microsoft.com/office/drawing/2010/main" val="0"/>
+              </a:ext>
+            </a:extLst>
+          </a:blip>
+          <a:srcRect/>
+          <a:stretch>
+            <a:fillRect/>
+          </a:stretch>
+        </p:blipFill>
+        <p:spPr bwMode="auto">
+          <a:xfrm>
+            <a:off x="7343506" y="3373277"/>
+            <a:ext cx="1458676" cy="1301868"/>
+          </a:xfrm>
+          <a:prstGeom prst="rect">
+            <a:avLst/>
+          </a:prstGeom>
+          <a:noFill/>
+          <a:extLst>
+            <a:ext uri="{909E8E84-426E-40DD-AFC4-6F175D3DCCD1}">
+              <a14:hiddenFill xmlns:a14="http://schemas.microsoft.com/office/drawing/2010/main">
+                <a:solidFill>
+                  <a:srgbClr val="FFFFFF"/>
+                </a:solidFill>
+              </a14:hiddenFill>
+            </a:ext>
+          </a:extLst>
+        </p:spPr>
+      </p:pic>
+      <p:cxnSp>
+        <p:nvCxnSpPr>
+          <p:cNvPr id="15" name="직선 화살표 연결선 14">
+            <a:extLst>
+              <a:ext uri="{FF2B5EF4-FFF2-40B4-BE49-F238E27FC236}">
+                <a16:creationId xmlns:a16="http://schemas.microsoft.com/office/drawing/2014/main" id="{B0FF3D6B-03F9-E8AA-40C4-D135593E3941}"/>
+              </a:ext>
+            </a:extLst>
+          </p:cNvPr>
+          <p:cNvCxnSpPr>
+            <a:cxnSpLocks/>
+          </p:cNvCxnSpPr>
+          <p:nvPr/>
+        </p:nvCxnSpPr>
+        <p:spPr>
+          <a:xfrm>
+            <a:off x="5797029" y="5170577"/>
+            <a:ext cx="713334" cy="0"/>
+          </a:xfrm>
+          <a:prstGeom prst="straightConnector1">
+            <a:avLst/>
+          </a:prstGeom>
+          <a:ln w="19050">
+            <a:solidFill>
+              <a:schemeClr val="tx1"/>
+            </a:solidFill>
+            <a:tailEnd type="triangle"/>
+          </a:ln>
+        </p:spPr>
+        <p:style>
+          <a:lnRef idx="1">
+            <a:schemeClr val="accent1"/>
+          </a:lnRef>
+          <a:fillRef idx="0">
+            <a:schemeClr val="accent1"/>
+          </a:fillRef>
+          <a:effectRef idx="0">
+            <a:schemeClr val="accent1"/>
+          </a:effectRef>
+          <a:fontRef idx="minor">
+            <a:schemeClr val="tx1"/>
+          </a:fontRef>
+        </p:style>
+      </p:cxnSp>
+      <p:sp>
+        <p:nvSpPr>
+          <p:cNvPr id="19" name="TextBox 18">
+            <a:extLst>
+              <a:ext uri="{FF2B5EF4-FFF2-40B4-BE49-F238E27FC236}">
+                <a16:creationId xmlns:a16="http://schemas.microsoft.com/office/drawing/2014/main" id="{1D7B49D7-9797-83D1-AC6D-4F21B1706313}"/>
+              </a:ext>
+            </a:extLst>
+          </p:cNvPr>
+          <p:cNvSpPr txBox="1"/>
+          <p:nvPr/>
+        </p:nvSpPr>
+        <p:spPr>
+          <a:xfrm>
+            <a:off x="5741916" y="5288635"/>
+            <a:ext cx="857736" cy="369332"/>
+          </a:xfrm>
+          <a:prstGeom prst="rect">
+            <a:avLst/>
+          </a:prstGeom>
+          <a:noFill/>
+        </p:spPr>
+        <p:txBody>
+          <a:bodyPr wrap="square" rtlCol="0">
+            <a:spAutoFit/>
+          </a:bodyPr>
+          <a:lstStyle/>
+          <a:p>
+            <a:r>
+              <a:rPr lang="en-US" altLang="ko-KR" dirty="0"/>
+              <a:t>CI/CD</a:t>
+            </a:r>
+            <a:endParaRPr lang="ko-KR" altLang="en-US" dirty="0"/>
+          </a:p>
+        </p:txBody>
+      </p:sp>
+      <p:cxnSp>
+        <p:nvCxnSpPr>
+          <p:cNvPr id="22" name="직선 화살표 연결선 21">
+            <a:extLst>
+              <a:ext uri="{FF2B5EF4-FFF2-40B4-BE49-F238E27FC236}">
+                <a16:creationId xmlns:a16="http://schemas.microsoft.com/office/drawing/2014/main" id="{9F4D124A-687F-E697-E8A5-BB432979DB1C}"/>
+              </a:ext>
+            </a:extLst>
+          </p:cNvPr>
+          <p:cNvCxnSpPr>
+            <a:cxnSpLocks/>
+          </p:cNvCxnSpPr>
+          <p:nvPr/>
+        </p:nvCxnSpPr>
+        <p:spPr>
+          <a:xfrm flipH="1">
+            <a:off x="5777707" y="3092093"/>
+            <a:ext cx="692992" cy="0"/>
+          </a:xfrm>
+          <a:prstGeom prst="straightConnector1">
+            <a:avLst/>
+          </a:prstGeom>
+          <a:ln w="19050">
+            <a:solidFill>
+              <a:schemeClr val="tx1"/>
+            </a:solidFill>
+            <a:tailEnd type="triangle"/>
+          </a:ln>
+        </p:spPr>
+        <p:style>
+          <a:lnRef idx="1">
+            <a:schemeClr val="accent1"/>
+          </a:lnRef>
+          <a:fillRef idx="0">
+            <a:schemeClr val="accent1"/>
+          </a:fillRef>
+          <a:effectRef idx="0">
+            <a:schemeClr val="accent1"/>
+          </a:effectRef>
+          <a:fontRef idx="minor">
+            <a:schemeClr val="tx1"/>
+          </a:fontRef>
+        </p:style>
+      </p:cxnSp>
+      <p:cxnSp>
+        <p:nvCxnSpPr>
+          <p:cNvPr id="24" name="직선 화살표 연결선 23">
+            <a:extLst>
+              <a:ext uri="{FF2B5EF4-FFF2-40B4-BE49-F238E27FC236}">
+                <a16:creationId xmlns:a16="http://schemas.microsoft.com/office/drawing/2014/main" id="{D3567FAD-C1B4-C354-307E-B6C767C45A60}"/>
+              </a:ext>
+            </a:extLst>
+          </p:cNvPr>
+          <p:cNvCxnSpPr>
+            <a:cxnSpLocks/>
+          </p:cNvCxnSpPr>
+          <p:nvPr/>
+        </p:nvCxnSpPr>
+        <p:spPr>
+          <a:xfrm>
+            <a:off x="5789593" y="3312545"/>
+            <a:ext cx="683981" cy="0"/>
+          </a:xfrm>
+          <a:prstGeom prst="straightConnector1">
+            <a:avLst/>
+          </a:prstGeom>
+          <a:ln w="19050">
+            <a:solidFill>
+              <a:schemeClr val="tx1"/>
+            </a:solidFill>
+            <a:tailEnd type="triangle"/>
+          </a:ln>
+        </p:spPr>
+        <p:style>
+          <a:lnRef idx="1">
+            <a:schemeClr val="accent1"/>
+          </a:lnRef>
+          <a:fillRef idx="0">
+            <a:schemeClr val="accent1"/>
+          </a:fillRef>
+          <a:effectRef idx="0">
+            <a:schemeClr val="accent1"/>
+          </a:effectRef>
+          <a:fontRef idx="minor">
+            <a:schemeClr val="tx1"/>
+          </a:fontRef>
+        </p:style>
+      </p:cxnSp>
+      <p:pic>
+        <p:nvPicPr>
+          <p:cNvPr id="1050" name="Picture 26" descr="Next.js 그거 어떻게 하는 건데. | by Woosik Kim | Sep, 2021 | Medium | Medium">
+            <a:extLst>
+              <a:ext uri="{FF2B5EF4-FFF2-40B4-BE49-F238E27FC236}">
+                <a16:creationId xmlns:a16="http://schemas.microsoft.com/office/drawing/2014/main" id="{8B992A4D-6D82-2313-C001-171C66FAF846}"/>
+              </a:ext>
+            </a:extLst>
+          </p:cNvPr>
+          <p:cNvPicPr>
+            <a:picLocks noChangeAspect="1" noChangeArrowheads="1"/>
+          </p:cNvPicPr>
+          <p:nvPr/>
+        </p:nvPicPr>
+        <p:blipFill>
+          <a:blip r:embed="rId12">
+            <a:extLst>
+              <a:ext uri="{28A0092B-C50C-407E-A947-70E740481C1C}">
+                <a14:useLocalDpi xmlns:a14="http://schemas.microsoft.com/office/drawing/2010/main" val="0"/>
+              </a:ext>
+            </a:extLst>
+          </a:blip>
+          <a:srcRect/>
+          <a:stretch>
+            <a:fillRect/>
+          </a:stretch>
+        </p:blipFill>
+        <p:spPr bwMode="auto">
+          <a:xfrm>
+            <a:off x="660602" y="2029469"/>
+            <a:ext cx="1458169" cy="821062"/>
+          </a:xfrm>
+          <a:prstGeom prst="rect">
+            <a:avLst/>
+          </a:prstGeom>
+          <a:noFill/>
+          <a:extLst>
+            <a:ext uri="{909E8E84-426E-40DD-AFC4-6F175D3DCCD1}">
+              <a14:hiddenFill xmlns:a14="http://schemas.microsoft.com/office/drawing/2010/main">
+                <a:solidFill>
+                  <a:srgbClr val="FFFFFF"/>
+                </a:solidFill>
+              </a14:hiddenFill>
+            </a:ext>
+          </a:extLst>
+        </p:spPr>
+      </p:pic>
+      <p:pic>
+        <p:nvPicPr>
+          <p:cNvPr id="1056" name="Picture 32" descr="Tailwind CSS] Usage_2">
+            <a:extLst>
+              <a:ext uri="{FF2B5EF4-FFF2-40B4-BE49-F238E27FC236}">
+                <a16:creationId xmlns:a16="http://schemas.microsoft.com/office/drawing/2014/main" id="{F583BDE5-05F8-D168-C66B-CB1BCAA98C2B}"/>
+              </a:ext>
+            </a:extLst>
+          </p:cNvPr>
+          <p:cNvPicPr>
+            <a:picLocks noChangeAspect="1" noChangeArrowheads="1"/>
+          </p:cNvPicPr>
+          <p:nvPr/>
+        </p:nvPicPr>
+        <p:blipFill>
+          <a:blip r:embed="rId13">
+            <a:extLst>
+              <a:ext uri="{28A0092B-C50C-407E-A947-70E740481C1C}">
+                <a14:useLocalDpi xmlns:a14="http://schemas.microsoft.com/office/drawing/2010/main" val="0"/>
+              </a:ext>
+            </a:extLst>
+          </a:blip>
+          <a:srcRect/>
+          <a:stretch>
+            <a:fillRect/>
+          </a:stretch>
+        </p:blipFill>
+        <p:spPr bwMode="auto">
+          <a:xfrm>
+            <a:off x="1885062" y="3674977"/>
+            <a:ext cx="1567943" cy="881968"/>
+          </a:xfrm>
+          <a:prstGeom prst="rect">
+            <a:avLst/>
+          </a:prstGeom>
+          <a:noFill/>
+          <a:extLst>
+            <a:ext uri="{909E8E84-426E-40DD-AFC4-6F175D3DCCD1}">
+              <a14:hiddenFill xmlns:a14="http://schemas.microsoft.com/office/drawing/2010/main">
+                <a:solidFill>
+                  <a:srgbClr val="FFFFFF"/>
+                </a:solidFill>
+              </a14:hiddenFill>
+            </a:ext>
+          </a:extLst>
+        </p:spPr>
+      </p:pic>
+      <p:pic>
+        <p:nvPicPr>
+          <p:cNvPr id="1060" name="Picture 36" descr="사용자 - 무료 사회적인개 아이콘">
+            <a:extLst>
+              <a:ext uri="{FF2B5EF4-FFF2-40B4-BE49-F238E27FC236}">
+                <a16:creationId xmlns:a16="http://schemas.microsoft.com/office/drawing/2014/main" id="{5B3D6F4D-8180-7152-C74A-567EEB628A21}"/>
+              </a:ext>
+            </a:extLst>
+          </p:cNvPr>
+          <p:cNvPicPr>
+            <a:picLocks noChangeAspect="1" noChangeArrowheads="1"/>
+          </p:cNvPicPr>
+          <p:nvPr/>
+        </p:nvPicPr>
+        <p:blipFill>
+          <a:blip r:embed="rId14">
+            <a:extLst>
+              <a:ext uri="{28A0092B-C50C-407E-A947-70E740481C1C}">
+                <a14:useLocalDpi xmlns:a14="http://schemas.microsoft.com/office/drawing/2010/main" val="0"/>
+              </a:ext>
+            </a:extLst>
+          </a:blip>
+          <a:srcRect/>
+          <a:stretch>
+            <a:fillRect/>
+          </a:stretch>
+        </p:blipFill>
+        <p:spPr bwMode="auto">
+          <a:xfrm>
+            <a:off x="2582009" y="188183"/>
+            <a:ext cx="519669" cy="519669"/>
+          </a:xfrm>
+          <a:prstGeom prst="rect">
+            <a:avLst/>
+          </a:prstGeom>
+          <a:noFill/>
+          <a:extLst>
+            <a:ext uri="{909E8E84-426E-40DD-AFC4-6F175D3DCCD1}">
+              <a14:hiddenFill xmlns:a14="http://schemas.microsoft.com/office/drawing/2010/main">
+                <a:solidFill>
+                  <a:srgbClr val="FFFFFF"/>
+                </a:solidFill>
+              </a14:hiddenFill>
+            </a:ext>
+          </a:extLst>
+        </p:spPr>
+      </p:pic>
+      <p:cxnSp>
+        <p:nvCxnSpPr>
+          <p:cNvPr id="30" name="직선 화살표 연결선 29">
+            <a:extLst>
+              <a:ext uri="{FF2B5EF4-FFF2-40B4-BE49-F238E27FC236}">
+                <a16:creationId xmlns:a16="http://schemas.microsoft.com/office/drawing/2014/main" id="{1CC00E81-2093-C49A-99F1-1EA87CB4E81E}"/>
+              </a:ext>
+            </a:extLst>
+          </p:cNvPr>
+          <p:cNvCxnSpPr>
+            <a:cxnSpLocks/>
+          </p:cNvCxnSpPr>
+          <p:nvPr/>
+        </p:nvCxnSpPr>
+        <p:spPr>
+          <a:xfrm flipV="1">
+            <a:off x="2773221" y="1175542"/>
+            <a:ext cx="0" cy="351489"/>
+          </a:xfrm>
+          <a:prstGeom prst="straightConnector1">
+            <a:avLst/>
+          </a:prstGeom>
+          <a:ln w="19050">
+            <a:solidFill>
+              <a:schemeClr val="tx1"/>
+            </a:solidFill>
+            <a:tailEnd type="triangle"/>
+          </a:ln>
+        </p:spPr>
+        <p:style>
+          <a:lnRef idx="1">
+            <a:schemeClr val="accent1"/>
+          </a:lnRef>
+          <a:fillRef idx="0">
+            <a:schemeClr val="accent1"/>
+          </a:fillRef>
+          <a:effectRef idx="0">
+            <a:schemeClr val="accent1"/>
+          </a:effectRef>
+          <a:fontRef idx="minor">
+            <a:schemeClr val="tx1"/>
+          </a:fontRef>
+        </p:style>
+      </p:cxnSp>
+      <p:cxnSp>
+        <p:nvCxnSpPr>
+          <p:cNvPr id="31" name="직선 화살표 연결선 30">
+            <a:extLst>
+              <a:ext uri="{FF2B5EF4-FFF2-40B4-BE49-F238E27FC236}">
+                <a16:creationId xmlns:a16="http://schemas.microsoft.com/office/drawing/2014/main" id="{70D1DAA7-5198-62A1-DFC1-4AD8E3362BE6}"/>
+              </a:ext>
+            </a:extLst>
+          </p:cNvPr>
+          <p:cNvCxnSpPr>
+            <a:cxnSpLocks/>
+          </p:cNvCxnSpPr>
+          <p:nvPr/>
+        </p:nvCxnSpPr>
+        <p:spPr>
+          <a:xfrm>
+            <a:off x="2952938" y="1175542"/>
+            <a:ext cx="0" cy="351489"/>
+          </a:xfrm>
+          <a:prstGeom prst="straightConnector1">
+            <a:avLst/>
+          </a:prstGeom>
+          <a:ln w="19050">
+            <a:solidFill>
+              <a:schemeClr val="tx1"/>
+            </a:solidFill>
+            <a:tailEnd type="triangle"/>
+          </a:ln>
+        </p:spPr>
+        <p:style>
+          <a:lnRef idx="1">
+            <a:schemeClr val="accent1"/>
+          </a:lnRef>
+          <a:fillRef idx="0">
+            <a:schemeClr val="accent1"/>
+          </a:fillRef>
+          <a:effectRef idx="0">
+            <a:schemeClr val="accent1"/>
+          </a:effectRef>
+          <a:fontRef idx="minor">
+            <a:schemeClr val="tx1"/>
+          </a:fontRef>
+        </p:style>
+      </p:cxnSp>
+      <p:sp>
+        <p:nvSpPr>
+          <p:cNvPr id="1035" name="TextBox 1034">
+            <a:extLst>
+              <a:ext uri="{FF2B5EF4-FFF2-40B4-BE49-F238E27FC236}">
+                <a16:creationId xmlns:a16="http://schemas.microsoft.com/office/drawing/2014/main" id="{9F36B10E-82F5-6580-C27F-97EDFAC63BF3}"/>
+              </a:ext>
+            </a:extLst>
+          </p:cNvPr>
+          <p:cNvSpPr txBox="1"/>
+          <p:nvPr/>
+        </p:nvSpPr>
+        <p:spPr>
+          <a:xfrm>
+            <a:off x="2531869" y="718056"/>
+            <a:ext cx="651140" cy="369332"/>
+          </a:xfrm>
+          <a:prstGeom prst="rect">
+            <a:avLst/>
+          </a:prstGeom>
+          <a:noFill/>
+        </p:spPr>
+        <p:txBody>
+          <a:bodyPr wrap="none" rtlCol="0">
+            <a:spAutoFit/>
+          </a:bodyPr>
+          <a:lstStyle/>
+          <a:p>
+            <a:r>
+              <a:rPr lang="en-US" altLang="ko-KR" dirty="0"/>
+              <a:t>User</a:t>
+            </a:r>
+            <a:endParaRPr lang="ko-KR" altLang="en-US" dirty="0"/>
+          </a:p>
+        </p:txBody>
+      </p:sp>
+      <p:cxnSp>
+        <p:nvCxnSpPr>
+          <p:cNvPr id="1037" name="직선 화살표 연결선 1036">
+            <a:extLst>
+              <a:ext uri="{FF2B5EF4-FFF2-40B4-BE49-F238E27FC236}">
+                <a16:creationId xmlns:a16="http://schemas.microsoft.com/office/drawing/2014/main" id="{9CEC7DE8-CE24-E284-8F35-9CB2DD3002B1}"/>
+              </a:ext>
+            </a:extLst>
+          </p:cNvPr>
+          <p:cNvCxnSpPr>
+            <a:cxnSpLocks/>
+          </p:cNvCxnSpPr>
+          <p:nvPr/>
+        </p:nvCxnSpPr>
+        <p:spPr>
+          <a:xfrm>
+            <a:off x="10189771" y="3425372"/>
+            <a:ext cx="0" cy="282757"/>
+          </a:xfrm>
+          <a:prstGeom prst="straightConnector1">
+            <a:avLst/>
+          </a:prstGeom>
+          <a:ln w="19050">
+            <a:solidFill>
+              <a:schemeClr val="tx1"/>
+            </a:solidFill>
+            <a:tailEnd type="triangle"/>
+          </a:ln>
+        </p:spPr>
+        <p:style>
+          <a:lnRef idx="1">
+            <a:schemeClr val="accent1"/>
+          </a:lnRef>
+          <a:fillRef idx="0">
+            <a:schemeClr val="accent1"/>
+          </a:fillRef>
+          <a:effectRef idx="0">
+            <a:schemeClr val="accent1"/>
+          </a:effectRef>
+          <a:fontRef idx="minor">
+            <a:schemeClr val="tx1"/>
+          </a:fontRef>
+        </p:style>
+      </p:cxnSp>
+      <p:pic>
+        <p:nvPicPr>
+          <p:cNvPr id="1030" name="Picture 6" descr="도커 컴포즈 기초 및 문법">
+            <a:extLst>
+              <a:ext uri="{FF2B5EF4-FFF2-40B4-BE49-F238E27FC236}">
+                <a16:creationId xmlns:a16="http://schemas.microsoft.com/office/drawing/2014/main" id="{66E53FB7-2D54-E35B-FED2-EAE311FAD1FF}"/>
+              </a:ext>
+            </a:extLst>
+          </p:cNvPr>
+          <p:cNvPicPr>
+            <a:picLocks noChangeAspect="1" noChangeArrowheads="1"/>
+          </p:cNvPicPr>
+          <p:nvPr/>
+        </p:nvPicPr>
+        <p:blipFill>
+          <a:blip r:embed="rId15">
+            <a:extLst>
+              <a:ext uri="{28A0092B-C50C-407E-A947-70E740481C1C}">
+                <a14:useLocalDpi xmlns:a14="http://schemas.microsoft.com/office/drawing/2010/main" val="0"/>
+              </a:ext>
+            </a:extLst>
+          </a:blip>
+          <a:srcRect/>
+          <a:stretch>
+            <a:fillRect/>
+          </a:stretch>
+        </p:blipFill>
+        <p:spPr bwMode="auto">
+          <a:xfrm>
+            <a:off x="7396143" y="4588926"/>
+            <a:ext cx="1335956" cy="641711"/>
+          </a:xfrm>
+          <a:prstGeom prst="rect">
+            <a:avLst/>
+          </a:prstGeom>
+          <a:noFill/>
+          <a:extLst>
+            <a:ext uri="{909E8E84-426E-40DD-AFC4-6F175D3DCCD1}">
+              <a14:hiddenFill xmlns:a14="http://schemas.microsoft.com/office/drawing/2010/main">
+                <a:solidFill>
+                  <a:srgbClr val="FFFFFF"/>
+                </a:solidFill>
+              </a14:hiddenFill>
+            </a:ext>
+          </a:extLst>
+        </p:spPr>
+      </p:pic>
+      <p:pic>
+        <p:nvPicPr>
+          <p:cNvPr id="2" name="Picture 2" descr="Vercel Announces $150M in Series D Funding at a $2.5B Valuation to Further  Fuel Innovation and Global Adoption of World's Fastest Frontend Development  Platform | Business Wire">
+            <a:extLst>
+              <a:ext uri="{FF2B5EF4-FFF2-40B4-BE49-F238E27FC236}">
+                <a16:creationId xmlns:a16="http://schemas.microsoft.com/office/drawing/2014/main" id="{F9F97262-768B-37E3-1259-345D43AE26A3}"/>
+              </a:ext>
+            </a:extLst>
+          </p:cNvPr>
+          <p:cNvPicPr>
+            <a:picLocks noChangeAspect="1" noChangeArrowheads="1"/>
+          </p:cNvPicPr>
+          <p:nvPr/>
+        </p:nvPicPr>
+        <p:blipFill>
+          <a:blip r:embed="rId16">
+            <a:extLst>
+              <a:ext uri="{28A0092B-C50C-407E-A947-70E740481C1C}">
+                <a14:useLocalDpi xmlns:a14="http://schemas.microsoft.com/office/drawing/2010/main" val="0"/>
+              </a:ext>
+            </a:extLst>
+          </a:blip>
+          <a:srcRect/>
+          <a:stretch>
+            <a:fillRect/>
+          </a:stretch>
+        </p:blipFill>
+        <p:spPr bwMode="auto">
+          <a:xfrm>
+            <a:off x="1630042" y="1086365"/>
+            <a:ext cx="1009471" cy="527449"/>
+          </a:xfrm>
+          <a:prstGeom prst="rect">
+            <a:avLst/>
+          </a:prstGeom>
+          <a:noFill/>
+          <a:extLst>
+            <a:ext uri="{909E8E84-426E-40DD-AFC4-6F175D3DCCD1}">
+              <a14:hiddenFill xmlns:a14="http://schemas.microsoft.com/office/drawing/2010/main">
+                <a:solidFill>
+                  <a:srgbClr val="FFFFFF"/>
+                </a:solidFill>
+              </a14:hiddenFill>
+            </a:ext>
+          </a:extLst>
+        </p:spPr>
+      </p:pic>
+      <p:pic>
+        <p:nvPicPr>
+          <p:cNvPr id="3" name="Picture 2">
+            <a:extLst>
+              <a:ext uri="{FF2B5EF4-FFF2-40B4-BE49-F238E27FC236}">
+                <a16:creationId xmlns:a16="http://schemas.microsoft.com/office/drawing/2014/main" id="{37A5A1C0-7648-E051-632D-84E58A46809A}"/>
+              </a:ext>
+            </a:extLst>
+          </p:cNvPr>
+          <p:cNvPicPr>
+            <a:picLocks noChangeAspect="1" noChangeArrowheads="1"/>
+          </p:cNvPicPr>
+          <p:nvPr/>
+        </p:nvPicPr>
+        <p:blipFill>
+          <a:blip r:embed="rId17">
+            <a:extLst>
+              <a:ext uri="{28A0092B-C50C-407E-A947-70E740481C1C}">
+                <a14:useLocalDpi xmlns:a14="http://schemas.microsoft.com/office/drawing/2010/main" val="0"/>
+              </a:ext>
+            </a:extLst>
+          </a:blip>
+          <a:srcRect/>
+          <a:stretch>
+            <a:fillRect/>
+          </a:stretch>
+        </p:blipFill>
+        <p:spPr bwMode="auto">
+          <a:xfrm>
+            <a:off x="5650830" y="2728776"/>
+            <a:ext cx="895782" cy="131568"/>
+          </a:xfrm>
+          <a:prstGeom prst="rect">
+            <a:avLst/>
+          </a:prstGeom>
+          <a:noFill/>
+          <a:extLst>
+            <a:ext uri="{909E8E84-426E-40DD-AFC4-6F175D3DCCD1}">
+              <a14:hiddenFill xmlns:a14="http://schemas.microsoft.com/office/drawing/2010/main">
+                <a:solidFill>
+                  <a:srgbClr val="FFFFFF"/>
+                </a:solidFill>
+              </a14:hiddenFill>
+            </a:ext>
+          </a:extLst>
+        </p:spPr>
+      </p:pic>
+      <p:pic>
+        <p:nvPicPr>
+          <p:cNvPr id="12" name="Picture 2" descr="NGINX를 통한 간단한 로드밸런싱 구성">
+            <a:extLst>
+              <a:ext uri="{FF2B5EF4-FFF2-40B4-BE49-F238E27FC236}">
+                <a16:creationId xmlns:a16="http://schemas.microsoft.com/office/drawing/2014/main" id="{2CA509EC-BF36-ABC8-A8B2-D2F6D84E0A3E}"/>
+              </a:ext>
+            </a:extLst>
+          </p:cNvPr>
+          <p:cNvPicPr>
+            <a:picLocks noChangeAspect="1" noChangeArrowheads="1"/>
+          </p:cNvPicPr>
+          <p:nvPr/>
+        </p:nvPicPr>
+        <p:blipFill>
+          <a:blip r:embed="rId18">
+            <a:extLst>
+              <a:ext uri="{28A0092B-C50C-407E-A947-70E740481C1C}">
+                <a14:useLocalDpi xmlns:a14="http://schemas.microsoft.com/office/drawing/2010/main" val="0"/>
+              </a:ext>
+            </a:extLst>
+          </a:blip>
+          <a:srcRect/>
+          <a:stretch>
+            <a:fillRect/>
+          </a:stretch>
+        </p:blipFill>
+        <p:spPr bwMode="auto">
+          <a:xfrm>
+            <a:off x="5691488" y="3335869"/>
+            <a:ext cx="805814" cy="537209"/>
+          </a:xfrm>
+          <a:prstGeom prst="rect">
+            <a:avLst/>
+          </a:prstGeom>
+          <a:noFill/>
+          <a:extLst>
+            <a:ext uri="{909E8E84-426E-40DD-AFC4-6F175D3DCCD1}">
+              <a14:hiddenFill xmlns:a14="http://schemas.microsoft.com/office/drawing/2010/main">
+                <a:solidFill>
+                  <a:srgbClr val="FFFFFF"/>
+                </a:solidFill>
+              </a14:hiddenFill>
+            </a:ext>
+          </a:extLst>
+        </p:spPr>
+      </p:pic>
+      <p:pic>
+        <p:nvPicPr>
+          <p:cNvPr id="17" name="Picture 2" descr="Spring Boot CLI 프로젝트 생성부터 첫 실행까지">
+            <a:extLst>
+              <a:ext uri="{FF2B5EF4-FFF2-40B4-BE49-F238E27FC236}">
+                <a16:creationId xmlns:a16="http://schemas.microsoft.com/office/drawing/2014/main" id="{2AEA47CE-2CC2-B207-E76F-ED65252F774C}"/>
+              </a:ext>
+            </a:extLst>
+          </p:cNvPr>
+          <p:cNvPicPr>
+            <a:picLocks noChangeAspect="1" noChangeArrowheads="1"/>
+          </p:cNvPicPr>
+          <p:nvPr/>
+        </p:nvPicPr>
+        <p:blipFill>
+          <a:blip r:embed="rId19">
+            <a:extLst>
+              <a:ext uri="{28A0092B-C50C-407E-A947-70E740481C1C}">
+                <a14:useLocalDpi xmlns:a14="http://schemas.microsoft.com/office/drawing/2010/main" val="0"/>
+              </a:ext>
+            </a:extLst>
+          </a:blip>
+          <a:srcRect/>
+          <a:stretch>
+            <a:fillRect/>
+          </a:stretch>
+        </p:blipFill>
+        <p:spPr bwMode="auto">
+          <a:xfrm>
+            <a:off x="8761666" y="1391236"/>
+            <a:ext cx="796840" cy="668028"/>
+          </a:xfrm>
+          <a:prstGeom prst="rect">
+            <a:avLst/>
+          </a:prstGeom>
+          <a:noFill/>
+          <a:extLst>
+            <a:ext uri="{909E8E84-426E-40DD-AFC4-6F175D3DCCD1}">
+              <a14:hiddenFill xmlns:a14="http://schemas.microsoft.com/office/drawing/2010/main">
+                <a:solidFill>
+                  <a:srgbClr val="FFFFFF"/>
+                </a:solidFill>
+              </a14:hiddenFill>
+            </a:ext>
+          </a:extLst>
+        </p:spPr>
+      </p:pic>
+      <p:pic>
+        <p:nvPicPr>
+          <p:cNvPr id="18" name="Picture 4" descr="React-Query(tanstack query v5)로 만들어보는 무한스크롤">
+            <a:extLst>
+              <a:ext uri="{FF2B5EF4-FFF2-40B4-BE49-F238E27FC236}">
+                <a16:creationId xmlns:a16="http://schemas.microsoft.com/office/drawing/2014/main" id="{E531FC8C-5548-EA5A-B3A9-C7C3D785313E}"/>
+              </a:ext>
+            </a:extLst>
+          </p:cNvPr>
+          <p:cNvPicPr>
+            <a:picLocks noChangeAspect="1" noChangeArrowheads="1"/>
+          </p:cNvPicPr>
+          <p:nvPr/>
+        </p:nvPicPr>
+        <p:blipFill>
+          <a:blip r:embed="rId20">
+            <a:extLst>
+              <a:ext uri="{28A0092B-C50C-407E-A947-70E740481C1C}">
+                <a14:useLocalDpi xmlns:a14="http://schemas.microsoft.com/office/drawing/2010/main" val="0"/>
+              </a:ext>
+            </a:extLst>
+          </a:blip>
+          <a:srcRect/>
+          <a:stretch>
+            <a:fillRect/>
+          </a:stretch>
+        </p:blipFill>
+        <p:spPr bwMode="auto">
+          <a:xfrm>
+            <a:off x="1199739" y="2849796"/>
+            <a:ext cx="1567943" cy="897181"/>
+          </a:xfrm>
+          <a:prstGeom prst="rect">
+            <a:avLst/>
+          </a:prstGeom>
+          <a:noFill/>
+          <a:extLst>
+            <a:ext uri="{909E8E84-426E-40DD-AFC4-6F175D3DCCD1}">
+              <a14:hiddenFill xmlns:a14="http://schemas.microsoft.com/office/drawing/2010/main">
+                <a:solidFill>
+                  <a:srgbClr val="FFFFFF"/>
+                </a:solidFill>
+              </a14:hiddenFill>
+            </a:ext>
+          </a:extLst>
+        </p:spPr>
+      </p:pic>
+      <p:pic>
+        <p:nvPicPr>
+          <p:cNvPr id="21" name="Picture 2" descr="Recoil을 사용하여 상태관리 하기">
+            <a:extLst>
+              <a:ext uri="{FF2B5EF4-FFF2-40B4-BE49-F238E27FC236}">
+                <a16:creationId xmlns:a16="http://schemas.microsoft.com/office/drawing/2014/main" id="{FF823354-50CA-A672-3FEF-D62B4833D708}"/>
+              </a:ext>
+            </a:extLst>
+          </p:cNvPr>
+          <p:cNvPicPr>
+            <a:picLocks noChangeAspect="1" noChangeArrowheads="1"/>
+          </p:cNvPicPr>
+          <p:nvPr/>
+        </p:nvPicPr>
+        <p:blipFill>
+          <a:blip r:embed="rId21">
+            <a:extLst>
+              <a:ext uri="{28A0092B-C50C-407E-A947-70E740481C1C}">
+                <a14:useLocalDpi xmlns:a14="http://schemas.microsoft.com/office/drawing/2010/main" val="0"/>
+              </a:ext>
+            </a:extLst>
+          </a:blip>
+          <a:srcRect/>
+          <a:stretch>
+            <a:fillRect/>
+          </a:stretch>
+        </p:blipFill>
+        <p:spPr bwMode="auto">
+          <a:xfrm>
+            <a:off x="2876188" y="2847606"/>
+            <a:ext cx="1474664" cy="921665"/>
+          </a:xfrm>
+          <a:prstGeom prst="rect">
+            <a:avLst/>
+          </a:prstGeom>
+          <a:noFill/>
+          <a:extLst>
+            <a:ext uri="{909E8E84-426E-40DD-AFC4-6F175D3DCCD1}">
+              <a14:hiddenFill xmlns:a14="http://schemas.microsoft.com/office/drawing/2010/main">
+                <a:solidFill>
+                  <a:srgbClr val="FFFFFF"/>
+                </a:solidFill>
+              </a14:hiddenFill>
+            </a:ext>
+          </a:extLst>
+        </p:spPr>
+      </p:pic>
+      <p:pic>
+        <p:nvPicPr>
+          <p:cNvPr id="1046" name="Picture 22" descr="React 정복기] create-react-app 더 깊이... (실전 리액트 프로그래밍) - 2">
+            <a:extLst>
+              <a:ext uri="{FF2B5EF4-FFF2-40B4-BE49-F238E27FC236}">
+                <a16:creationId xmlns:a16="http://schemas.microsoft.com/office/drawing/2014/main" id="{F3044235-54EC-829C-EC2B-4470660D4722}"/>
+              </a:ext>
+            </a:extLst>
+          </p:cNvPr>
+          <p:cNvPicPr>
+            <a:picLocks noChangeAspect="1" noChangeArrowheads="1"/>
+          </p:cNvPicPr>
+          <p:nvPr/>
+        </p:nvPicPr>
+        <p:blipFill>
+          <a:blip r:embed="rId22">
+            <a:extLst>
+              <a:ext uri="{28A0092B-C50C-407E-A947-70E740481C1C}">
+                <a14:useLocalDpi xmlns:a14="http://schemas.microsoft.com/office/drawing/2010/main" val="0"/>
+              </a:ext>
+            </a:extLst>
+          </a:blip>
+          <a:srcRect/>
+          <a:stretch>
+            <a:fillRect/>
+          </a:stretch>
+        </p:blipFill>
+        <p:spPr bwMode="auto">
+          <a:xfrm>
+            <a:off x="1870718" y="1978938"/>
+            <a:ext cx="1676603" cy="952515"/>
+          </a:xfrm>
+          <a:prstGeom prst="rect">
+            <a:avLst/>
+          </a:prstGeom>
+          <a:noFill/>
+          <a:extLst>
+            <a:ext uri="{909E8E84-426E-40DD-AFC4-6F175D3DCCD1}">
+              <a14:hiddenFill xmlns:a14="http://schemas.microsoft.com/office/drawing/2010/main">
+                <a:solidFill>
+                  <a:srgbClr val="FFFFFF"/>
+                </a:solidFill>
+              </a14:hiddenFill>
+            </a:ext>
+          </a:extLst>
+        </p:spPr>
+      </p:pic>
+      <p:pic>
+        <p:nvPicPr>
+          <p:cNvPr id="23" name="Picture 2" descr="TypeScript] TypeScript란?(feat.기초 문법)">
+            <a:extLst>
+              <a:ext uri="{FF2B5EF4-FFF2-40B4-BE49-F238E27FC236}">
+                <a16:creationId xmlns:a16="http://schemas.microsoft.com/office/drawing/2014/main" id="{C9D06F99-CD5B-E6EC-5825-7507EB12CC81}"/>
+              </a:ext>
+            </a:extLst>
+          </p:cNvPr>
+          <p:cNvPicPr>
+            <a:picLocks noChangeAspect="1" noChangeArrowheads="1"/>
+          </p:cNvPicPr>
+          <p:nvPr/>
+        </p:nvPicPr>
+        <p:blipFill>
+          <a:blip r:embed="rId23">
+            <a:extLst>
+              <a:ext uri="{28A0092B-C50C-407E-A947-70E740481C1C}">
+                <a14:useLocalDpi xmlns:a14="http://schemas.microsoft.com/office/drawing/2010/main" val="0"/>
+              </a:ext>
+            </a:extLst>
+          </a:blip>
+          <a:srcRect/>
+          <a:stretch>
+            <a:fillRect/>
+          </a:stretch>
+        </p:blipFill>
+        <p:spPr bwMode="auto">
+          <a:xfrm>
+            <a:off x="3371453" y="1981257"/>
+            <a:ext cx="1743957" cy="952292"/>
+          </a:xfrm>
+          <a:prstGeom prst="rect">
+            <a:avLst/>
+          </a:prstGeom>
+          <a:noFill/>
+          <a:extLst>
+            <a:ext uri="{909E8E84-426E-40DD-AFC4-6F175D3DCCD1}">
+              <a14:hiddenFill xmlns:a14="http://schemas.microsoft.com/office/drawing/2010/main">
+                <a:solidFill>
+                  <a:srgbClr val="FFFFFF"/>
+                </a:solidFill>
+              </a14:hiddenFill>
+            </a:ext>
+          </a:extLst>
+        </p:spPr>
+      </p:pic>
+      <p:sp>
+        <p:nvSpPr>
+          <p:cNvPr id="20" name="사각형: 둥근 모서리 19">
+            <a:extLst>
+              <a:ext uri="{FF2B5EF4-FFF2-40B4-BE49-F238E27FC236}">
+                <a16:creationId xmlns:a16="http://schemas.microsoft.com/office/drawing/2014/main" id="{C3FC0446-0A07-C895-05D7-F2D3A18A9CE7}"/>
+              </a:ext>
+            </a:extLst>
+          </p:cNvPr>
+          <p:cNvSpPr/>
+          <p:nvPr/>
+        </p:nvSpPr>
+        <p:spPr>
+          <a:xfrm>
+            <a:off x="431168" y="1814845"/>
+            <a:ext cx="4830792" cy="2869151"/>
+          </a:xfrm>
+          <a:prstGeom prst="roundRect">
+            <a:avLst/>
+          </a:prstGeom>
+          <a:noFill/>
+          <a:ln w="19050">
+            <a:solidFill>
+              <a:schemeClr val="tx1"/>
+            </a:solidFill>
+          </a:ln>
+        </p:spPr>
+        <p:style>
+          <a:lnRef idx="2">
+            <a:schemeClr val="accent1">
+              <a:shade val="15000"/>
+            </a:schemeClr>
+          </a:lnRef>
+          <a:fillRef idx="1">
+            <a:schemeClr val="accent1"/>
+          </a:fillRef>
+          <a:effectRef idx="0">
+            <a:schemeClr val="accent1"/>
+          </a:effectRef>
+          <a:fontRef idx="minor">
+            <a:schemeClr val="lt1"/>
+          </a:fontRef>
+        </p:style>
+        <p:txBody>
+          <a:bodyPr rtlCol="0" anchor="ctr"/>
+          <a:lstStyle/>
+          <a:p>
+            <a:pPr algn="ctr"/>
+            <a:endParaRPr lang="ko-KR" altLang="en-US"/>
+          </a:p>
+        </p:txBody>
+      </p:sp>
+      <p:sp>
+        <p:nvSpPr>
+          <p:cNvPr id="28" name="직사각형 27">
+            <a:extLst>
+              <a:ext uri="{FF2B5EF4-FFF2-40B4-BE49-F238E27FC236}">
+                <a16:creationId xmlns:a16="http://schemas.microsoft.com/office/drawing/2014/main" id="{C72F7356-F02D-DF19-D632-A19B07EB7139}"/>
+              </a:ext>
+            </a:extLst>
+          </p:cNvPr>
+          <p:cNvSpPr/>
+          <p:nvPr/>
+        </p:nvSpPr>
+        <p:spPr>
+          <a:xfrm>
+            <a:off x="1980966" y="1529093"/>
+            <a:ext cx="1722039" cy="508959"/>
+          </a:xfrm>
+          <a:prstGeom prst="rect">
+            <a:avLst/>
+          </a:prstGeom>
+          <a:solidFill>
+            <a:schemeClr val="bg1"/>
+          </a:solidFill>
+          <a:ln>
+            <a:noFill/>
+          </a:ln>
+        </p:spPr>
+        <p:style>
+          <a:lnRef idx="2">
+            <a:schemeClr val="accent1">
+              <a:shade val="15000"/>
+            </a:schemeClr>
+          </a:lnRef>
+          <a:fillRef idx="1">
+            <a:schemeClr val="accent1"/>
+          </a:fillRef>
+          <a:effectRef idx="0">
+            <a:schemeClr val="accent1"/>
+          </a:effectRef>
+          <a:fontRef idx="minor">
+            <a:schemeClr val="lt1"/>
+          </a:fontRef>
+        </p:style>
+        <p:txBody>
+          <a:bodyPr rtlCol="0" anchor="ctr"/>
+          <a:lstStyle/>
+          <a:p>
+            <a:pPr algn="ctr"/>
+            <a:endParaRPr lang="ko-KR" altLang="en-US"/>
+          </a:p>
+        </p:txBody>
+      </p:sp>
+      <p:sp>
+        <p:nvSpPr>
+          <p:cNvPr id="25" name="TextBox 24">
+            <a:extLst>
+              <a:ext uri="{FF2B5EF4-FFF2-40B4-BE49-F238E27FC236}">
+                <a16:creationId xmlns:a16="http://schemas.microsoft.com/office/drawing/2014/main" id="{8B801A4D-6C0A-FA47-25F4-04C534E92F8D}"/>
+              </a:ext>
+            </a:extLst>
+          </p:cNvPr>
+          <p:cNvSpPr txBox="1"/>
+          <p:nvPr/>
+        </p:nvSpPr>
+        <p:spPr>
+          <a:xfrm>
+            <a:off x="2105848" y="1637364"/>
+            <a:ext cx="1481431" cy="369332"/>
+          </a:xfrm>
+          <a:prstGeom prst="rect">
+            <a:avLst/>
+          </a:prstGeom>
+          <a:noFill/>
+        </p:spPr>
+        <p:txBody>
+          <a:bodyPr wrap="none" rtlCol="0">
+            <a:spAutoFit/>
+          </a:bodyPr>
+          <a:lstStyle/>
+          <a:p>
+            <a:r>
+              <a:rPr lang="en-US" altLang="ko-KR" dirty="0"/>
+              <a:t>Presentation</a:t>
+            </a:r>
+            <a:endParaRPr lang="ko-KR" altLang="en-US" dirty="0"/>
+          </a:p>
+        </p:txBody>
+      </p:sp>
+    </p:spTree>
+    <p:extLst>
+      <p:ext uri="{BB962C8B-B14F-4D97-AF65-F5344CB8AC3E}">
+        <p14:creationId xmlns:p14="http://schemas.microsoft.com/office/powerpoint/2010/main" val="2700611256"/>
       </p:ext>
     </p:extLst>
   </p:cSld>

--- a/아키텍처_구조.pptx
+++ b/아키텍처_구조.pptx
@@ -260,7 +260,7 @@
           <a:p>
             <a:fld id="{E476361F-7658-44AE-AC3B-E094F262656A}" type="datetimeFigureOut">
               <a:rPr lang="ko-KR" altLang="en-US" smtClean="0"/>
-              <a:t>2024-03-01</a:t>
+              <a:t>2024-03-30</a:t>
             </a:fld>
             <a:endParaRPr lang="ko-KR" altLang="en-US"/>
           </a:p>
@@ -458,7 +458,7 @@
           <a:p>
             <a:fld id="{E476361F-7658-44AE-AC3B-E094F262656A}" type="datetimeFigureOut">
               <a:rPr lang="ko-KR" altLang="en-US" smtClean="0"/>
-              <a:t>2024-03-01</a:t>
+              <a:t>2024-03-30</a:t>
             </a:fld>
             <a:endParaRPr lang="ko-KR" altLang="en-US"/>
           </a:p>
@@ -666,7 +666,7 @@
           <a:p>
             <a:fld id="{E476361F-7658-44AE-AC3B-E094F262656A}" type="datetimeFigureOut">
               <a:rPr lang="ko-KR" altLang="en-US" smtClean="0"/>
-              <a:t>2024-03-01</a:t>
+              <a:t>2024-03-30</a:t>
             </a:fld>
             <a:endParaRPr lang="ko-KR" altLang="en-US"/>
           </a:p>
@@ -864,7 +864,7 @@
           <a:p>
             <a:fld id="{E476361F-7658-44AE-AC3B-E094F262656A}" type="datetimeFigureOut">
               <a:rPr lang="ko-KR" altLang="en-US" smtClean="0"/>
-              <a:t>2024-03-01</a:t>
+              <a:t>2024-03-30</a:t>
             </a:fld>
             <a:endParaRPr lang="ko-KR" altLang="en-US"/>
           </a:p>
@@ -1139,7 +1139,7 @@
           <a:p>
             <a:fld id="{E476361F-7658-44AE-AC3B-E094F262656A}" type="datetimeFigureOut">
               <a:rPr lang="ko-KR" altLang="en-US" smtClean="0"/>
-              <a:t>2024-03-01</a:t>
+              <a:t>2024-03-30</a:t>
             </a:fld>
             <a:endParaRPr lang="ko-KR" altLang="en-US"/>
           </a:p>
@@ -1404,7 +1404,7 @@
           <a:p>
             <a:fld id="{E476361F-7658-44AE-AC3B-E094F262656A}" type="datetimeFigureOut">
               <a:rPr lang="ko-KR" altLang="en-US" smtClean="0"/>
-              <a:t>2024-03-01</a:t>
+              <a:t>2024-03-30</a:t>
             </a:fld>
             <a:endParaRPr lang="ko-KR" altLang="en-US"/>
           </a:p>
@@ -1816,7 +1816,7 @@
           <a:p>
             <a:fld id="{E476361F-7658-44AE-AC3B-E094F262656A}" type="datetimeFigureOut">
               <a:rPr lang="ko-KR" altLang="en-US" smtClean="0"/>
-              <a:t>2024-03-01</a:t>
+              <a:t>2024-03-30</a:t>
             </a:fld>
             <a:endParaRPr lang="ko-KR" altLang="en-US"/>
           </a:p>
@@ -1957,7 +1957,7 @@
           <a:p>
             <a:fld id="{E476361F-7658-44AE-AC3B-E094F262656A}" type="datetimeFigureOut">
               <a:rPr lang="ko-KR" altLang="en-US" smtClean="0"/>
-              <a:t>2024-03-01</a:t>
+              <a:t>2024-03-30</a:t>
             </a:fld>
             <a:endParaRPr lang="ko-KR" altLang="en-US"/>
           </a:p>
@@ -2070,7 +2070,7 @@
           <a:p>
             <a:fld id="{E476361F-7658-44AE-AC3B-E094F262656A}" type="datetimeFigureOut">
               <a:rPr lang="ko-KR" altLang="en-US" smtClean="0"/>
-              <a:t>2024-03-01</a:t>
+              <a:t>2024-03-30</a:t>
             </a:fld>
             <a:endParaRPr lang="ko-KR" altLang="en-US"/>
           </a:p>
@@ -2381,7 +2381,7 @@
           <a:p>
             <a:fld id="{E476361F-7658-44AE-AC3B-E094F262656A}" type="datetimeFigureOut">
               <a:rPr lang="ko-KR" altLang="en-US" smtClean="0"/>
-              <a:t>2024-03-01</a:t>
+              <a:t>2024-03-30</a:t>
             </a:fld>
             <a:endParaRPr lang="ko-KR" altLang="en-US"/>
           </a:p>
@@ -2669,7 +2669,7 @@
           <a:p>
             <a:fld id="{E476361F-7658-44AE-AC3B-E094F262656A}" type="datetimeFigureOut">
               <a:rPr lang="ko-KR" altLang="en-US" smtClean="0"/>
-              <a:t>2024-03-01</a:t>
+              <a:t>2024-03-30</a:t>
             </a:fld>
             <a:endParaRPr lang="ko-KR" altLang="en-US"/>
           </a:p>
@@ -2910,7 +2910,7 @@
           <a:p>
             <a:fld id="{E476361F-7658-44AE-AC3B-E094F262656A}" type="datetimeFigureOut">
               <a:rPr lang="ko-KR" altLang="en-US" smtClean="0"/>
-              <a:t>2024-03-01</a:t>
+              <a:t>2024-03-30</a:t>
             </a:fld>
             <a:endParaRPr lang="ko-KR" altLang="en-US"/>
           </a:p>
@@ -3841,8 +3841,8 @@
         </p:blipFill>
         <p:spPr bwMode="auto">
           <a:xfrm>
-            <a:off x="8848185" y="4615852"/>
-            <a:ext cx="1741817" cy="1161211"/>
+            <a:off x="9576888" y="4744274"/>
+            <a:ext cx="1108901" cy="739267"/>
           </a:xfrm>
           <a:prstGeom prst="rect">
             <a:avLst/>
@@ -4914,7 +4914,7 @@
         </p:blipFill>
         <p:spPr bwMode="auto">
           <a:xfrm>
-            <a:off x="1328248" y="3468752"/>
+            <a:off x="1328248" y="3399744"/>
             <a:ext cx="1628931" cy="932078"/>
           </a:xfrm>
           <a:prstGeom prst="rect">
@@ -4961,8 +4961,8 @@
         </p:blipFill>
         <p:spPr bwMode="auto">
           <a:xfrm>
-            <a:off x="3004697" y="3466561"/>
-            <a:ext cx="1532024" cy="957515"/>
+            <a:off x="7429444" y="8079487"/>
+            <a:ext cx="177085" cy="110678"/>
           </a:xfrm>
           <a:prstGeom prst="rect">
             <a:avLst/>
@@ -5213,6 +5213,100 @@
           </a:p>
         </p:txBody>
       </p:sp>
+      <p:pic>
+        <p:nvPicPr>
+          <p:cNvPr id="26" name="Picture 2" descr="Redux] Redux-Toolkit">
+            <a:extLst>
+              <a:ext uri="{FF2B5EF4-FFF2-40B4-BE49-F238E27FC236}">
+                <a16:creationId xmlns:a16="http://schemas.microsoft.com/office/drawing/2014/main" id="{862E30B0-E981-54B7-2569-8C35E1DA3E60}"/>
+              </a:ext>
+            </a:extLst>
+          </p:cNvPr>
+          <p:cNvPicPr>
+            <a:picLocks noChangeAspect="1" noChangeArrowheads="1"/>
+          </p:cNvPicPr>
+          <p:nvPr/>
+        </p:nvPicPr>
+        <p:blipFill>
+          <a:blip r:embed="rId24">
+            <a:extLst>
+              <a:ext uri="{28A0092B-C50C-407E-A947-70E740481C1C}">
+                <a14:useLocalDpi xmlns:a14="http://schemas.microsoft.com/office/drawing/2010/main" val="0"/>
+              </a:ext>
+            </a:extLst>
+          </a:blip>
+          <a:srcRect/>
+          <a:stretch>
+            <a:fillRect/>
+          </a:stretch>
+        </p:blipFill>
+        <p:spPr bwMode="auto">
+          <a:xfrm>
+            <a:off x="3198728" y="3439098"/>
+            <a:ext cx="1409254" cy="792155"/>
+          </a:xfrm>
+          <a:prstGeom prst="rect">
+            <a:avLst/>
+          </a:prstGeom>
+          <a:noFill/>
+          <a:extLst>
+            <a:ext uri="{909E8E84-426E-40DD-AFC4-6F175D3DCCD1}">
+              <a14:hiddenFill xmlns:a14="http://schemas.microsoft.com/office/drawing/2010/main">
+                <a:solidFill>
+                  <a:srgbClr val="FFFFFF"/>
+                </a:solidFill>
+              </a14:hiddenFill>
+            </a:ext>
+          </a:extLst>
+        </p:spPr>
+      </p:pic>
+      <p:pic>
+        <p:nvPicPr>
+          <p:cNvPr id="27" name="Picture 2" descr="AWS S3 - 개념">
+            <a:extLst>
+              <a:ext uri="{FF2B5EF4-FFF2-40B4-BE49-F238E27FC236}">
+                <a16:creationId xmlns:a16="http://schemas.microsoft.com/office/drawing/2014/main" id="{96882D44-2BD2-9E80-8A11-FD3F5078CAA2}"/>
+              </a:ext>
+            </a:extLst>
+          </p:cNvPr>
+          <p:cNvPicPr>
+            <a:picLocks noChangeAspect="1" noChangeArrowheads="1"/>
+          </p:cNvPicPr>
+          <p:nvPr/>
+        </p:nvPicPr>
+        <p:blipFill>
+          <a:blip r:embed="rId25">
+            <a:extLst>
+              <a:ext uri="{28A0092B-C50C-407E-A947-70E740481C1C}">
+                <a14:useLocalDpi xmlns:a14="http://schemas.microsoft.com/office/drawing/2010/main" val="0"/>
+              </a:ext>
+            </a:extLst>
+          </a:blip>
+          <a:srcRect/>
+          <a:stretch>
+            <a:fillRect/>
+          </a:stretch>
+        </p:blipFill>
+        <p:spPr bwMode="auto">
+          <a:xfrm>
+            <a:off x="8692254" y="4768782"/>
+            <a:ext cx="871349" cy="652671"/>
+          </a:xfrm>
+          <a:prstGeom prst="rect">
+            <a:avLst/>
+          </a:prstGeom>
+          <a:noFill/>
+          <a:extLst>
+            <a:ext uri="{909E8E84-426E-40DD-AFC4-6F175D3DCCD1}">
+              <a14:hiddenFill xmlns:a14="http://schemas.microsoft.com/office/drawing/2010/main">
+                <a:solidFill>
+                  <a:srgbClr val="FFFFFF"/>
+                </a:solidFill>
+              </a14:hiddenFill>
+            </a:ext>
+          </a:extLst>
+        </p:spPr>
+      </p:pic>
     </p:spTree>
     <p:extLst>
       <p:ext uri="{BB962C8B-B14F-4D97-AF65-F5344CB8AC3E}">

--- a/아키텍처_구조.pptx
+++ b/아키텍처_구조.pptx
@@ -260,7 +260,7 @@
           <a:p>
             <a:fld id="{E476361F-7658-44AE-AC3B-E094F262656A}" type="datetimeFigureOut">
               <a:rPr lang="ko-KR" altLang="en-US" smtClean="0"/>
-              <a:t>2024-03-30</a:t>
+              <a:t>2024-04-17</a:t>
             </a:fld>
             <a:endParaRPr lang="ko-KR" altLang="en-US"/>
           </a:p>
@@ -458,7 +458,7 @@
           <a:p>
             <a:fld id="{E476361F-7658-44AE-AC3B-E094F262656A}" type="datetimeFigureOut">
               <a:rPr lang="ko-KR" altLang="en-US" smtClean="0"/>
-              <a:t>2024-03-30</a:t>
+              <a:t>2024-04-17</a:t>
             </a:fld>
             <a:endParaRPr lang="ko-KR" altLang="en-US"/>
           </a:p>
@@ -666,7 +666,7 @@
           <a:p>
             <a:fld id="{E476361F-7658-44AE-AC3B-E094F262656A}" type="datetimeFigureOut">
               <a:rPr lang="ko-KR" altLang="en-US" smtClean="0"/>
-              <a:t>2024-03-30</a:t>
+              <a:t>2024-04-17</a:t>
             </a:fld>
             <a:endParaRPr lang="ko-KR" altLang="en-US"/>
           </a:p>
@@ -864,7 +864,7 @@
           <a:p>
             <a:fld id="{E476361F-7658-44AE-AC3B-E094F262656A}" type="datetimeFigureOut">
               <a:rPr lang="ko-KR" altLang="en-US" smtClean="0"/>
-              <a:t>2024-03-30</a:t>
+              <a:t>2024-04-17</a:t>
             </a:fld>
             <a:endParaRPr lang="ko-KR" altLang="en-US"/>
           </a:p>
@@ -1139,7 +1139,7 @@
           <a:p>
             <a:fld id="{E476361F-7658-44AE-AC3B-E094F262656A}" type="datetimeFigureOut">
               <a:rPr lang="ko-KR" altLang="en-US" smtClean="0"/>
-              <a:t>2024-03-30</a:t>
+              <a:t>2024-04-17</a:t>
             </a:fld>
             <a:endParaRPr lang="ko-KR" altLang="en-US"/>
           </a:p>
@@ -1404,7 +1404,7 @@
           <a:p>
             <a:fld id="{E476361F-7658-44AE-AC3B-E094F262656A}" type="datetimeFigureOut">
               <a:rPr lang="ko-KR" altLang="en-US" smtClean="0"/>
-              <a:t>2024-03-30</a:t>
+              <a:t>2024-04-17</a:t>
             </a:fld>
             <a:endParaRPr lang="ko-KR" altLang="en-US"/>
           </a:p>
@@ -1816,7 +1816,7 @@
           <a:p>
             <a:fld id="{E476361F-7658-44AE-AC3B-E094F262656A}" type="datetimeFigureOut">
               <a:rPr lang="ko-KR" altLang="en-US" smtClean="0"/>
-              <a:t>2024-03-30</a:t>
+              <a:t>2024-04-17</a:t>
             </a:fld>
             <a:endParaRPr lang="ko-KR" altLang="en-US"/>
           </a:p>
@@ -1957,7 +1957,7 @@
           <a:p>
             <a:fld id="{E476361F-7658-44AE-AC3B-E094F262656A}" type="datetimeFigureOut">
               <a:rPr lang="ko-KR" altLang="en-US" smtClean="0"/>
-              <a:t>2024-03-30</a:t>
+              <a:t>2024-04-17</a:t>
             </a:fld>
             <a:endParaRPr lang="ko-KR" altLang="en-US"/>
           </a:p>
@@ -2070,7 +2070,7 @@
           <a:p>
             <a:fld id="{E476361F-7658-44AE-AC3B-E094F262656A}" type="datetimeFigureOut">
               <a:rPr lang="ko-KR" altLang="en-US" smtClean="0"/>
-              <a:t>2024-03-30</a:t>
+              <a:t>2024-04-17</a:t>
             </a:fld>
             <a:endParaRPr lang="ko-KR" altLang="en-US"/>
           </a:p>
@@ -2381,7 +2381,7 @@
           <a:p>
             <a:fld id="{E476361F-7658-44AE-AC3B-E094F262656A}" type="datetimeFigureOut">
               <a:rPr lang="ko-KR" altLang="en-US" smtClean="0"/>
-              <a:t>2024-03-30</a:t>
+              <a:t>2024-04-17</a:t>
             </a:fld>
             <a:endParaRPr lang="ko-KR" altLang="en-US"/>
           </a:p>
@@ -2669,7 +2669,7 @@
           <a:p>
             <a:fld id="{E476361F-7658-44AE-AC3B-E094F262656A}" type="datetimeFigureOut">
               <a:rPr lang="ko-KR" altLang="en-US" smtClean="0"/>
-              <a:t>2024-03-30</a:t>
+              <a:t>2024-04-17</a:t>
             </a:fld>
             <a:endParaRPr lang="ko-KR" altLang="en-US"/>
           </a:p>
@@ -2910,7 +2910,7 @@
           <a:p>
             <a:fld id="{E476361F-7658-44AE-AC3B-E094F262656A}" type="datetimeFigureOut">
               <a:rPr lang="ko-KR" altLang="en-US" smtClean="0"/>
-              <a:t>2024-03-30</a:t>
+              <a:t>2024-04-17</a:t>
             </a:fld>
             <a:endParaRPr lang="ko-KR" altLang="en-US"/>
           </a:p>
@@ -3356,7 +3356,7 @@
         </p:blipFill>
         <p:spPr bwMode="auto">
           <a:xfrm>
-            <a:off x="8534518" y="2439680"/>
+            <a:off x="9502260" y="2347717"/>
             <a:ext cx="1080937" cy="1080937"/>
           </a:xfrm>
           <a:prstGeom prst="rect">
@@ -3403,7 +3403,7 @@
         </p:blipFill>
         <p:spPr bwMode="auto">
           <a:xfrm>
-            <a:off x="7307600" y="1763645"/>
+            <a:off x="8275342" y="1671682"/>
             <a:ext cx="1532024" cy="861763"/>
           </a:xfrm>
           <a:prstGeom prst="rect">
@@ -3450,7 +3450,7 @@
         </p:blipFill>
         <p:spPr bwMode="auto">
           <a:xfrm>
-            <a:off x="5577371" y="3959839"/>
+            <a:off x="1282254" y="3127138"/>
             <a:ext cx="838102" cy="560481"/>
           </a:xfrm>
           <a:prstGeom prst="rect">
@@ -3497,7 +3497,7 @@
         </p:blipFill>
         <p:spPr bwMode="auto">
           <a:xfrm>
-            <a:off x="5225879" y="2565015"/>
+            <a:off x="944578" y="1887055"/>
             <a:ext cx="1477169" cy="398336"/>
           </a:xfrm>
           <a:prstGeom prst="rect">
@@ -3544,7 +3544,7 @@
         </p:blipFill>
         <p:spPr bwMode="auto">
           <a:xfrm>
-            <a:off x="3925458" y="5237572"/>
+            <a:off x="-382145" y="4227264"/>
             <a:ext cx="1917940" cy="1078982"/>
           </a:xfrm>
           <a:prstGeom prst="rect">
@@ -3591,7 +3591,7 @@
         </p:blipFill>
         <p:spPr bwMode="auto">
           <a:xfrm>
-            <a:off x="5326154" y="4996059"/>
+            <a:off x="1018551" y="3985751"/>
             <a:ext cx="1276620" cy="653154"/>
           </a:xfrm>
           <a:prstGeom prst="rect">
@@ -3623,8 +3623,8 @@
         </p:nvSpPr>
         <p:spPr>
           <a:xfrm>
-            <a:off x="6668219" y="940280"/>
-            <a:ext cx="4830792" cy="5270739"/>
+            <a:off x="2334525" y="940280"/>
+            <a:ext cx="9716576" cy="5270739"/>
           </a:xfrm>
           <a:prstGeom prst="roundRect">
             <a:avLst/>
@@ -3675,7 +3675,7 @@
         </p:nvSpPr>
         <p:spPr>
           <a:xfrm>
-            <a:off x="8660921" y="4235570"/>
+            <a:off x="9628663" y="4143607"/>
             <a:ext cx="2116346" cy="1682150"/>
           </a:xfrm>
           <a:prstGeom prst="roundRect">
@@ -3727,7 +3727,7 @@
         </p:nvSpPr>
         <p:spPr>
           <a:xfrm>
-            <a:off x="7389962" y="1574320"/>
+            <a:off x="8357704" y="1482357"/>
             <a:ext cx="3387305" cy="2001329"/>
           </a:xfrm>
           <a:prstGeom prst="roundRect">
@@ -3794,7 +3794,7 @@
         </p:blipFill>
         <p:spPr bwMode="auto">
           <a:xfrm>
-            <a:off x="8309752" y="241697"/>
+            <a:off x="6429190" y="241697"/>
             <a:ext cx="1547723" cy="988823"/>
           </a:xfrm>
           <a:prstGeom prst="rect">
@@ -3841,7 +3841,7 @@
         </p:blipFill>
         <p:spPr bwMode="auto">
           <a:xfrm>
-            <a:off x="9576888" y="4744274"/>
+            <a:off x="10544630" y="4652311"/>
             <a:ext cx="1108901" cy="739267"/>
           </a:xfrm>
           <a:prstGeom prst="rect">
@@ -3873,7 +3873,7 @@
         </p:nvSpPr>
         <p:spPr>
           <a:xfrm>
-            <a:off x="9363481" y="3958289"/>
+            <a:off x="10331223" y="3866326"/>
             <a:ext cx="690788" cy="508959"/>
           </a:xfrm>
           <a:prstGeom prst="rect">
@@ -3925,7 +3925,7 @@
         </p:nvSpPr>
         <p:spPr>
           <a:xfrm>
-            <a:off x="9375279" y="4036728"/>
+            <a:off x="10343021" y="3944765"/>
             <a:ext cx="670376" cy="369332"/>
           </a:xfrm>
           <a:prstGeom prst="rect">
@@ -3963,7 +3963,7 @@
         </p:nvCxnSpPr>
         <p:spPr>
           <a:xfrm flipV="1">
-            <a:off x="9624081" y="3682161"/>
+            <a:off x="10591823" y="3590198"/>
             <a:ext cx="0" cy="282757"/>
           </a:xfrm>
           <a:prstGeom prst="straightConnector1">
@@ -4020,7 +4020,7 @@
         </p:blipFill>
         <p:spPr bwMode="auto">
           <a:xfrm>
-            <a:off x="9549451" y="1915318"/>
+            <a:off x="10517193" y="1823355"/>
             <a:ext cx="1163777" cy="727361"/>
           </a:xfrm>
           <a:prstGeom prst="rect">
@@ -4052,7 +4052,7 @@
         </p:nvSpPr>
         <p:spPr>
           <a:xfrm>
-            <a:off x="8538378" y="1277507"/>
+            <a:off x="9509484" y="1213267"/>
             <a:ext cx="1000595" cy="508959"/>
           </a:xfrm>
           <a:prstGeom prst="rect">
@@ -4104,7 +4104,7 @@
         </p:nvSpPr>
         <p:spPr>
           <a:xfrm>
-            <a:off x="8543144" y="1364010"/>
+            <a:off x="9510886" y="1272047"/>
             <a:ext cx="1000595" cy="369332"/>
           </a:xfrm>
           <a:prstGeom prst="rect">
@@ -4155,7 +4155,7 @@
         </p:blipFill>
         <p:spPr bwMode="auto">
           <a:xfrm>
-            <a:off x="6915868" y="3769301"/>
+            <a:off x="7883610" y="3677338"/>
             <a:ext cx="1458676" cy="1301868"/>
           </a:xfrm>
           <a:prstGeom prst="rect">
@@ -4189,7 +4189,7 @@
         </p:nvCxnSpPr>
         <p:spPr>
           <a:xfrm>
-            <a:off x="5528125" y="5768316"/>
+            <a:off x="1220522" y="4758008"/>
             <a:ext cx="872679" cy="0"/>
           </a:xfrm>
           <a:prstGeom prst="straightConnector1">
@@ -4231,7 +4231,7 @@
         </p:nvSpPr>
         <p:spPr>
           <a:xfrm>
-            <a:off x="5548769" y="5917720"/>
+            <a:off x="1241166" y="4907412"/>
             <a:ext cx="795411" cy="369332"/>
           </a:xfrm>
           <a:prstGeom prst="rect">
@@ -4269,8 +4269,8 @@
         </p:nvCxnSpPr>
         <p:spPr>
           <a:xfrm flipH="1">
-            <a:off x="5648313" y="3428519"/>
-            <a:ext cx="692992" cy="0"/>
+            <a:off x="7565514" y="2846026"/>
+            <a:ext cx="667858" cy="0"/>
           </a:xfrm>
           <a:prstGeom prst="straightConnector1">
             <a:avLst/>
@@ -4313,8 +4313,8 @@
         </p:nvCxnSpPr>
         <p:spPr>
           <a:xfrm>
-            <a:off x="5660199" y="3648971"/>
-            <a:ext cx="683981" cy="0"/>
+            <a:off x="7589349" y="2947532"/>
+            <a:ext cx="667858" cy="0"/>
           </a:xfrm>
           <a:prstGeom prst="straightConnector1">
             <a:avLst/>
@@ -4370,7 +4370,7 @@
         </p:blipFill>
         <p:spPr bwMode="auto">
           <a:xfrm>
-            <a:off x="687667" y="2507069"/>
+            <a:off x="2798530" y="2356214"/>
             <a:ext cx="1514887" cy="852998"/>
           </a:xfrm>
           <a:prstGeom prst="rect">
@@ -4417,7 +4417,7 @@
         </p:blipFill>
         <p:spPr bwMode="auto">
           <a:xfrm>
-            <a:off x="2026775" y="4285127"/>
+            <a:off x="4137638" y="4134272"/>
             <a:ext cx="1628931" cy="916274"/>
           </a:xfrm>
           <a:prstGeom prst="rect">
@@ -4464,7 +4464,7 @@
         </p:blipFill>
         <p:spPr bwMode="auto">
           <a:xfrm>
-            <a:off x="2523485" y="306362"/>
+            <a:off x="275369" y="2108808"/>
             <a:ext cx="792154" cy="792154"/>
           </a:xfrm>
           <a:prstGeom prst="rect">
@@ -4497,9 +4497,9 @@
           <p:nvPr/>
         </p:nvCxnSpPr>
         <p:spPr>
-          <a:xfrm flipV="1">
-            <a:off x="2850798" y="1519877"/>
-            <a:ext cx="0" cy="351489"/>
+          <a:xfrm>
+            <a:off x="1284050" y="2694020"/>
+            <a:ext cx="824104" cy="14196"/>
           </a:xfrm>
           <a:prstGeom prst="straightConnector1">
             <a:avLst/>
@@ -4541,9 +4541,9 @@
           <p:nvPr/>
         </p:nvCxnSpPr>
         <p:spPr>
-          <a:xfrm>
-            <a:off x="3030515" y="1519877"/>
-            <a:ext cx="0" cy="351489"/>
+          <a:xfrm flipH="1">
+            <a:off x="1258172" y="2516377"/>
+            <a:ext cx="849982" cy="0"/>
           </a:xfrm>
           <a:prstGeom prst="straightConnector1">
             <a:avLst/>
@@ -4584,7 +4584,7 @@
         </p:nvSpPr>
         <p:spPr>
           <a:xfrm>
-            <a:off x="2613717" y="1087930"/>
+            <a:off x="365601" y="2890376"/>
             <a:ext cx="651140" cy="369332"/>
           </a:xfrm>
           <a:prstGeom prst="rect">
@@ -4622,7 +4622,7 @@
         </p:nvCxnSpPr>
         <p:spPr>
           <a:xfrm>
-            <a:off x="9753957" y="3690788"/>
+            <a:off x="10721699" y="3598825"/>
             <a:ext cx="0" cy="282757"/>
           </a:xfrm>
           <a:prstGeom prst="straightConnector1">
@@ -4679,7 +4679,7 @@
         </p:blipFill>
         <p:spPr bwMode="auto">
           <a:xfrm>
-            <a:off x="6955536" y="5007274"/>
+            <a:off x="7923278" y="4915311"/>
             <a:ext cx="1335956" cy="641711"/>
           </a:xfrm>
           <a:prstGeom prst="rect">
@@ -4699,10 +4699,10 @@
       </p:pic>
       <p:pic>
         <p:nvPicPr>
-          <p:cNvPr id="2" name="Picture 2" descr="Vercel Announces $150M in Series D Funding at a $2.5B Valuation to Further  Fuel Innovation and Global Adoption of World's Fastest Frontend Development  Platform | Business Wire">
-            <a:extLst>
-              <a:ext uri="{FF2B5EF4-FFF2-40B4-BE49-F238E27FC236}">
-                <a16:creationId xmlns:a16="http://schemas.microsoft.com/office/drawing/2014/main" id="{F9F97262-768B-37E3-1259-345D43AE26A3}"/>
+          <p:cNvPr id="3" name="Picture 2">
+            <a:extLst>
+              <a:ext uri="{FF2B5EF4-FFF2-40B4-BE49-F238E27FC236}">
+                <a16:creationId xmlns:a16="http://schemas.microsoft.com/office/drawing/2014/main" id="{37A5A1C0-7648-E051-632D-84E58A46809A}"/>
               </a:ext>
             </a:extLst>
           </p:cNvPr>
@@ -4726,8 +4726,8 @@
         </p:blipFill>
         <p:spPr bwMode="auto">
           <a:xfrm>
-            <a:off x="1648568" y="1414861"/>
-            <a:ext cx="1009471" cy="527449"/>
+            <a:off x="7565514" y="2586224"/>
+            <a:ext cx="667857" cy="98092"/>
           </a:xfrm>
           <a:prstGeom prst="rect">
             <a:avLst/>
@@ -4746,10 +4746,10 @@
       </p:pic>
       <p:pic>
         <p:nvPicPr>
-          <p:cNvPr id="3" name="Picture 2">
-            <a:extLst>
-              <a:ext uri="{FF2B5EF4-FFF2-40B4-BE49-F238E27FC236}">
-                <a16:creationId xmlns:a16="http://schemas.microsoft.com/office/drawing/2014/main" id="{37A5A1C0-7648-E051-632D-84E58A46809A}"/>
+          <p:cNvPr id="12" name="Picture 2" descr="NGINX를 통한 간단한 로드밸런싱 구성">
+            <a:extLst>
+              <a:ext uri="{FF2B5EF4-FFF2-40B4-BE49-F238E27FC236}">
+                <a16:creationId xmlns:a16="http://schemas.microsoft.com/office/drawing/2014/main" id="{2CA509EC-BF36-ABC8-A8B2-D2F6D84E0A3E}"/>
               </a:ext>
             </a:extLst>
           </p:cNvPr>
@@ -4773,8 +4773,8 @@
         </p:blipFill>
         <p:spPr bwMode="auto">
           <a:xfrm>
-            <a:off x="5521436" y="3065202"/>
-            <a:ext cx="895782" cy="131568"/>
+            <a:off x="1258172" y="2841805"/>
+            <a:ext cx="805814" cy="537209"/>
           </a:xfrm>
           <a:prstGeom prst="rect">
             <a:avLst/>
@@ -4793,10 +4793,10 @@
       </p:pic>
       <p:pic>
         <p:nvPicPr>
-          <p:cNvPr id="12" name="Picture 2" descr="NGINX를 통한 간단한 로드밸런싱 구성">
-            <a:extLst>
-              <a:ext uri="{FF2B5EF4-FFF2-40B4-BE49-F238E27FC236}">
-                <a16:creationId xmlns:a16="http://schemas.microsoft.com/office/drawing/2014/main" id="{2CA509EC-BF36-ABC8-A8B2-D2F6D84E0A3E}"/>
+          <p:cNvPr id="17" name="Picture 2" descr="Spring Boot CLI 프로젝트 생성부터 첫 실행까지">
+            <a:extLst>
+              <a:ext uri="{FF2B5EF4-FFF2-40B4-BE49-F238E27FC236}">
+                <a16:creationId xmlns:a16="http://schemas.microsoft.com/office/drawing/2014/main" id="{2AEA47CE-2CC2-B207-E76F-ED65252F774C}"/>
               </a:ext>
             </a:extLst>
           </p:cNvPr>
@@ -4820,8 +4820,8 @@
         </p:blipFill>
         <p:spPr bwMode="auto">
           <a:xfrm>
-            <a:off x="5562094" y="3672295"/>
-            <a:ext cx="805814" cy="537209"/>
+            <a:off x="9600014" y="1549433"/>
+            <a:ext cx="796840" cy="668028"/>
           </a:xfrm>
           <a:prstGeom prst="rect">
             <a:avLst/>
@@ -4840,10 +4840,10 @@
       </p:pic>
       <p:pic>
         <p:nvPicPr>
-          <p:cNvPr id="17" name="Picture 2" descr="Spring Boot CLI 프로젝트 생성부터 첫 실행까지">
-            <a:extLst>
-              <a:ext uri="{FF2B5EF4-FFF2-40B4-BE49-F238E27FC236}">
-                <a16:creationId xmlns:a16="http://schemas.microsoft.com/office/drawing/2014/main" id="{2AEA47CE-2CC2-B207-E76F-ED65252F774C}"/>
+          <p:cNvPr id="18" name="Picture 4" descr="React-Query(tanstack query v5)로 만들어보는 무한스크롤">
+            <a:extLst>
+              <a:ext uri="{FF2B5EF4-FFF2-40B4-BE49-F238E27FC236}">
+                <a16:creationId xmlns:a16="http://schemas.microsoft.com/office/drawing/2014/main" id="{E531FC8C-5548-EA5A-B3A9-C7C3D785313E}"/>
               </a:ext>
             </a:extLst>
           </p:cNvPr>
@@ -4867,8 +4867,8 @@
         </p:blipFill>
         <p:spPr bwMode="auto">
           <a:xfrm>
-            <a:off x="8632272" y="1641396"/>
-            <a:ext cx="796840" cy="668028"/>
+            <a:off x="3439111" y="3248889"/>
+            <a:ext cx="1628931" cy="932078"/>
           </a:xfrm>
           <a:prstGeom prst="rect">
             <a:avLst/>
@@ -4887,10 +4887,10 @@
       </p:pic>
       <p:pic>
         <p:nvPicPr>
-          <p:cNvPr id="18" name="Picture 4" descr="React-Query(tanstack query v5)로 만들어보는 무한스크롤">
-            <a:extLst>
-              <a:ext uri="{FF2B5EF4-FFF2-40B4-BE49-F238E27FC236}">
-                <a16:creationId xmlns:a16="http://schemas.microsoft.com/office/drawing/2014/main" id="{E531FC8C-5548-EA5A-B3A9-C7C3D785313E}"/>
+          <p:cNvPr id="21" name="Picture 2" descr="Recoil을 사용하여 상태관리 하기">
+            <a:extLst>
+              <a:ext uri="{FF2B5EF4-FFF2-40B4-BE49-F238E27FC236}">
+                <a16:creationId xmlns:a16="http://schemas.microsoft.com/office/drawing/2014/main" id="{FF823354-50CA-A672-3FEF-D62B4833D708}"/>
               </a:ext>
             </a:extLst>
           </p:cNvPr>
@@ -4914,8 +4914,8 @@
         </p:blipFill>
         <p:spPr bwMode="auto">
           <a:xfrm>
-            <a:off x="1328248" y="3399744"/>
-            <a:ext cx="1628931" cy="932078"/>
+            <a:off x="7429444" y="8079487"/>
+            <a:ext cx="177085" cy="110678"/>
           </a:xfrm>
           <a:prstGeom prst="rect">
             <a:avLst/>
@@ -4934,10 +4934,10 @@
       </p:pic>
       <p:pic>
         <p:nvPicPr>
-          <p:cNvPr id="21" name="Picture 2" descr="Recoil을 사용하여 상태관리 하기">
-            <a:extLst>
-              <a:ext uri="{FF2B5EF4-FFF2-40B4-BE49-F238E27FC236}">
-                <a16:creationId xmlns:a16="http://schemas.microsoft.com/office/drawing/2014/main" id="{FF823354-50CA-A672-3FEF-D62B4833D708}"/>
+          <p:cNvPr id="1046" name="Picture 22" descr="React 정복기] create-react-app 더 깊이... (실전 리액트 프로그래밍) - 2">
+            <a:extLst>
+              <a:ext uri="{FF2B5EF4-FFF2-40B4-BE49-F238E27FC236}">
+                <a16:creationId xmlns:a16="http://schemas.microsoft.com/office/drawing/2014/main" id="{F3044235-54EC-829C-EC2B-4470660D4722}"/>
               </a:ext>
             </a:extLst>
           </p:cNvPr>
@@ -4961,8 +4961,8 @@
         </p:blipFill>
         <p:spPr bwMode="auto">
           <a:xfrm>
-            <a:off x="7429444" y="8079487"/>
-            <a:ext cx="177085" cy="110678"/>
+            <a:off x="4007649" y="2247529"/>
+            <a:ext cx="1741817" cy="989565"/>
           </a:xfrm>
           <a:prstGeom prst="rect">
             <a:avLst/>
@@ -4981,10 +4981,10 @@
       </p:pic>
       <p:pic>
         <p:nvPicPr>
-          <p:cNvPr id="1046" name="Picture 22" descr="React 정복기] create-react-app 더 깊이... (실전 리액트 프로그래밍) - 2">
-            <a:extLst>
-              <a:ext uri="{FF2B5EF4-FFF2-40B4-BE49-F238E27FC236}">
-                <a16:creationId xmlns:a16="http://schemas.microsoft.com/office/drawing/2014/main" id="{F3044235-54EC-829C-EC2B-4470660D4722}"/>
+          <p:cNvPr id="23" name="Picture 2" descr="TypeScript] TypeScript란?(feat.기초 문법)">
+            <a:extLst>
+              <a:ext uri="{FF2B5EF4-FFF2-40B4-BE49-F238E27FC236}">
+                <a16:creationId xmlns:a16="http://schemas.microsoft.com/office/drawing/2014/main" id="{C9D06F99-CD5B-E6EC-5825-7507EB12CC81}"/>
               </a:ext>
             </a:extLst>
           </p:cNvPr>
@@ -5008,8 +5008,8 @@
         </p:blipFill>
         <p:spPr bwMode="auto">
           <a:xfrm>
-            <a:off x="1896786" y="2398384"/>
-            <a:ext cx="1741817" cy="989565"/>
+            <a:off x="5610244" y="2220979"/>
+            <a:ext cx="1811791" cy="989333"/>
           </a:xfrm>
           <a:prstGeom prst="rect">
             <a:avLst/>
@@ -5026,53 +5026,6 @@
           </a:extLst>
         </p:spPr>
       </p:pic>
-      <p:pic>
-        <p:nvPicPr>
-          <p:cNvPr id="23" name="Picture 2" descr="TypeScript] TypeScript란?(feat.기초 문법)">
-            <a:extLst>
-              <a:ext uri="{FF2B5EF4-FFF2-40B4-BE49-F238E27FC236}">
-                <a16:creationId xmlns:a16="http://schemas.microsoft.com/office/drawing/2014/main" id="{C9D06F99-CD5B-E6EC-5825-7507EB12CC81}"/>
-              </a:ext>
-            </a:extLst>
-          </p:cNvPr>
-          <p:cNvPicPr>
-            <a:picLocks noChangeAspect="1" noChangeArrowheads="1"/>
-          </p:cNvPicPr>
-          <p:nvPr/>
-        </p:nvPicPr>
-        <p:blipFill>
-          <a:blip r:embed="rId23">
-            <a:extLst>
-              <a:ext uri="{28A0092B-C50C-407E-A947-70E740481C1C}">
-                <a14:useLocalDpi xmlns:a14="http://schemas.microsoft.com/office/drawing/2010/main" val="0"/>
-              </a:ext>
-            </a:extLst>
-          </a:blip>
-          <a:srcRect/>
-          <a:stretch>
-            <a:fillRect/>
-          </a:stretch>
-        </p:blipFill>
-        <p:spPr bwMode="auto">
-          <a:xfrm>
-            <a:off x="3499381" y="2371834"/>
-            <a:ext cx="1811791" cy="989333"/>
-          </a:xfrm>
-          <a:prstGeom prst="rect">
-            <a:avLst/>
-          </a:prstGeom>
-          <a:noFill/>
-          <a:extLst>
-            <a:ext uri="{909E8E84-426E-40DD-AFC4-6F175D3DCCD1}">
-              <a14:hiddenFill xmlns:a14="http://schemas.microsoft.com/office/drawing/2010/main">
-                <a:solidFill>
-                  <a:srgbClr val="FFFFFF"/>
-                </a:solidFill>
-              </a14:hiddenFill>
-            </a:ext>
-          </a:extLst>
-        </p:spPr>
-      </p:pic>
       <p:sp>
         <p:nvSpPr>
           <p:cNvPr id="20" name="사각형: 둥근 모서리 19">
@@ -5087,7 +5040,7 @@
         </p:nvSpPr>
         <p:spPr>
           <a:xfrm>
-            <a:off x="508745" y="2159180"/>
+            <a:off x="2619608" y="2008325"/>
             <a:ext cx="4830792" cy="3078387"/>
           </a:xfrm>
           <a:prstGeom prst="roundRect">
@@ -5139,7 +5092,7 @@
         </p:nvSpPr>
         <p:spPr>
           <a:xfrm>
-            <a:off x="2058543" y="1873428"/>
+            <a:off x="4169406" y="1722573"/>
             <a:ext cx="1722039" cy="508959"/>
           </a:xfrm>
           <a:prstGeom prst="rect">
@@ -5191,7 +5144,7 @@
         </p:nvSpPr>
         <p:spPr>
           <a:xfrm>
-            <a:off x="2183425" y="1981699"/>
+            <a:off x="4294288" y="1830844"/>
             <a:ext cx="1481431" cy="369332"/>
           </a:xfrm>
           <a:prstGeom prst="rect">
@@ -5228,7 +5181,7 @@
           <p:nvPr/>
         </p:nvPicPr>
         <p:blipFill>
-          <a:blip r:embed="rId24">
+          <a:blip r:embed="rId23">
             <a:extLst>
               <a:ext uri="{28A0092B-C50C-407E-A947-70E740481C1C}">
                 <a14:useLocalDpi xmlns:a14="http://schemas.microsoft.com/office/drawing/2010/main" val="0"/>
@@ -5242,7 +5195,7 @@
         </p:blipFill>
         <p:spPr bwMode="auto">
           <a:xfrm>
-            <a:off x="3198728" y="3439098"/>
+            <a:off x="5309591" y="3288243"/>
             <a:ext cx="1409254" cy="792155"/>
           </a:xfrm>
           <a:prstGeom prst="rect">
@@ -5275,7 +5228,7 @@
           <p:nvPr/>
         </p:nvPicPr>
         <p:blipFill>
-          <a:blip r:embed="rId25">
+          <a:blip r:embed="rId24">
             <a:extLst>
               <a:ext uri="{28A0092B-C50C-407E-A947-70E740481C1C}">
                 <a14:useLocalDpi xmlns:a14="http://schemas.microsoft.com/office/drawing/2010/main" val="0"/>
@@ -5289,7 +5242,7 @@
         </p:blipFill>
         <p:spPr bwMode="auto">
           <a:xfrm>
-            <a:off x="8692254" y="4768782"/>
+            <a:off x="9659996" y="4676819"/>
             <a:ext cx="871349" cy="652671"/>
           </a:xfrm>
           <a:prstGeom prst="rect">
